--- a/Documentation/Presentation.pptx
+++ b/Documentation/Presentation.pptx
@@ -5,15 +5,13 @@
     <p:sldMasterId id="2147483648" r:id="rId1"/>
   </p:sldMasterIdLst>
   <p:notesMasterIdLst>
-    <p:notesMasterId r:id="rId8"/>
+    <p:notesMasterId r:id="rId6"/>
   </p:notesMasterIdLst>
   <p:sldIdLst>
     <p:sldId id="263" r:id="rId2"/>
-    <p:sldId id="257" r:id="rId3"/>
-    <p:sldId id="258" r:id="rId4"/>
-    <p:sldId id="260" r:id="rId5"/>
-    <p:sldId id="261" r:id="rId6"/>
-    <p:sldId id="264" r:id="rId7"/>
+    <p:sldId id="264" r:id="rId3"/>
+    <p:sldId id="260" r:id="rId4"/>
+    <p:sldId id="261" r:id="rId5"/>
   </p:sldIdLst>
   <p:sldSz cx="12192000" cy="6858000"/>
   <p:notesSz cx="6858000" cy="9144000"/>
@@ -579,7 +577,7 @@
   <p:cSld>
     <p:spTree>
       <p:nvGrpSpPr>
-        <p:cNvPr id="1" name="Shape 460"/>
+        <p:cNvPr id="1" name="Shape 490"/>
         <p:cNvGrpSpPr/>
         <p:nvPr/>
       </p:nvGrpSpPr>
@@ -593,7 +591,7 @@
       </p:grpSpPr>
       <p:sp>
         <p:nvSpPr>
-          <p:cNvPr id="461" name="Google Shape;461;gab8d1ca927_3_0:notes"/>
+          <p:cNvPr id="491" name="Google Shape;491;gab8d1ca927_3_206:notes"/>
           <p:cNvSpPr>
             <a:spLocks noGrp="1" noRot="1" noChangeAspect="1"/>
           </p:cNvSpPr>
@@ -634,7 +632,7 @@
       </p:sp>
       <p:sp>
         <p:nvSpPr>
-          <p:cNvPr id="462" name="Google Shape;462;gab8d1ca927_3_0:notes"/>
+          <p:cNvPr id="492" name="Google Shape;492;gab8d1ca927_3_206:notes"/>
           <p:cNvSpPr txBox="1">
             <a:spLocks noGrp="1"/>
           </p:cNvSpPr>
@@ -671,6 +669,11 @@
         </p:txBody>
       </p:sp>
     </p:spTree>
+    <p:extLst>
+      <p:ext uri="{BB962C8B-B14F-4D97-AF65-F5344CB8AC3E}">
+        <p14:creationId xmlns:p14="http://schemas.microsoft.com/office/powerpoint/2010/main" val="973359129"/>
+      </p:ext>
+    </p:extLst>
   </p:cSld>
   <p:clrMapOvr>
     <a:masterClrMapping/>
@@ -683,7 +686,7 @@
   <p:cSld>
     <p:spTree>
       <p:nvGrpSpPr>
-        <p:cNvPr id="1" name="Shape 466"/>
+        <p:cNvPr id="1" name="Shape 490"/>
         <p:cNvGrpSpPr/>
         <p:nvPr/>
       </p:nvGrpSpPr>
@@ -697,7 +700,7 @@
       </p:grpSpPr>
       <p:sp>
         <p:nvSpPr>
-          <p:cNvPr id="467" name="Google Shape;467;gab8d1ca927_3_5:notes"/>
+          <p:cNvPr id="491" name="Google Shape;491;gab8d1ca927_3_206:notes"/>
           <p:cNvSpPr>
             <a:spLocks noGrp="1" noRot="1" noChangeAspect="1"/>
           </p:cNvSpPr>
@@ -738,7 +741,7 @@
       </p:sp>
       <p:sp>
         <p:nvSpPr>
-          <p:cNvPr id="468" name="Google Shape;468;gab8d1ca927_3_5:notes"/>
+          <p:cNvPr id="492" name="Google Shape;492;gab8d1ca927_3_206:notes"/>
           <p:cNvSpPr txBox="1">
             <a:spLocks noGrp="1"/>
           </p:cNvSpPr>
@@ -787,7 +790,7 @@
   <p:cSld>
     <p:spTree>
       <p:nvGrpSpPr>
-        <p:cNvPr id="1" name="Shape 490"/>
+        <p:cNvPr id="1" name="Shape 501"/>
         <p:cNvGrpSpPr/>
         <p:nvPr/>
       </p:nvGrpSpPr>
@@ -801,7 +804,7 @@
       </p:grpSpPr>
       <p:sp>
         <p:nvSpPr>
-          <p:cNvPr id="491" name="Google Shape;491;gab8d1ca927_3_206:notes"/>
+          <p:cNvPr id="502" name="Google Shape;502;gab8d1ca927_3_608:notes"/>
           <p:cNvSpPr>
             <a:spLocks noGrp="1" noRot="1" noChangeAspect="1"/>
           </p:cNvSpPr>
@@ -842,7 +845,7 @@
       </p:sp>
       <p:sp>
         <p:nvSpPr>
-          <p:cNvPr id="492" name="Google Shape;492;gab8d1ca927_3_206:notes"/>
+          <p:cNvPr id="503" name="Google Shape;503;gab8d1ca927_3_608:notes"/>
           <p:cNvSpPr txBox="1">
             <a:spLocks noGrp="1"/>
           </p:cNvSpPr>
@@ -879,219 +882,6 @@
         </p:txBody>
       </p:sp>
     </p:spTree>
-  </p:cSld>
-  <p:clrMapOvr>
-    <a:masterClrMapping/>
-  </p:clrMapOvr>
-</p:notes>
-</file>
-
-<file path=ppt/notesSlides/notesSlide5.xml><?xml version="1.0" encoding="utf-8"?>
-<p:notes xmlns:a="http://schemas.openxmlformats.org/drawingml/2006/main" xmlns:r="http://schemas.openxmlformats.org/officeDocument/2006/relationships" xmlns:p="http://schemas.openxmlformats.org/presentationml/2006/main" showMasterSp="0" showMasterPhAnim="0">
-  <p:cSld>
-    <p:spTree>
-      <p:nvGrpSpPr>
-        <p:cNvPr id="1" name="Shape 501"/>
-        <p:cNvGrpSpPr/>
-        <p:nvPr/>
-      </p:nvGrpSpPr>
-      <p:grpSpPr>
-        <a:xfrm>
-          <a:off x="0" y="0"/>
-          <a:ext cx="0" cy="0"/>
-          <a:chOff x="0" y="0"/>
-          <a:chExt cx="0" cy="0"/>
-        </a:xfrm>
-      </p:grpSpPr>
-      <p:sp>
-        <p:nvSpPr>
-          <p:cNvPr id="502" name="Google Shape;502;gab8d1ca927_3_608:notes"/>
-          <p:cNvSpPr>
-            <a:spLocks noGrp="1" noRot="1" noChangeAspect="1"/>
-          </p:cNvSpPr>
-          <p:nvPr>
-            <p:ph type="sldImg" idx="2"/>
-          </p:nvPr>
-        </p:nvSpPr>
-        <p:spPr>
-          <a:xfrm>
-            <a:off x="381000" y="685800"/>
-            <a:ext cx="6096000" cy="3429000"/>
-          </a:xfrm>
-          <a:custGeom>
-            <a:avLst/>
-            <a:gdLst/>
-            <a:ahLst/>
-            <a:cxnLst/>
-            <a:rect l="l" t="t" r="r" b="b"/>
-            <a:pathLst>
-              <a:path w="120000" h="120000" extrusionOk="0">
-                <a:moveTo>
-                  <a:pt x="0" y="0"/>
-                </a:moveTo>
-                <a:lnTo>
-                  <a:pt x="120000" y="0"/>
-                </a:lnTo>
-                <a:lnTo>
-                  <a:pt x="120000" y="120000"/>
-                </a:lnTo>
-                <a:lnTo>
-                  <a:pt x="0" y="120000"/>
-                </a:lnTo>
-                <a:close/>
-              </a:path>
-            </a:pathLst>
-          </a:custGeom>
-        </p:spPr>
-      </p:sp>
-      <p:sp>
-        <p:nvSpPr>
-          <p:cNvPr id="503" name="Google Shape;503;gab8d1ca927_3_608:notes"/>
-          <p:cNvSpPr txBox="1">
-            <a:spLocks noGrp="1"/>
-          </p:cNvSpPr>
-          <p:nvPr>
-            <p:ph type="body" idx="1"/>
-          </p:nvPr>
-        </p:nvSpPr>
-        <p:spPr>
-          <a:xfrm>
-            <a:off x="685800" y="4343400"/>
-            <a:ext cx="5486400" cy="4114800"/>
-          </a:xfrm>
-          <a:prstGeom prst="rect">
-            <a:avLst/>
-          </a:prstGeom>
-        </p:spPr>
-        <p:txBody>
-          <a:bodyPr spcFirstLastPara="1" wrap="square" lIns="91425" tIns="91425" rIns="91425" bIns="91425" anchor="t" anchorCtr="0">
-            <a:noAutofit/>
-          </a:bodyPr>
-          <a:lstStyle/>
-          <a:p>
-            <a:pPr marL="0" lvl="0" indent="0" algn="l" rtl="0">
-              <a:spcBef>
-                <a:spcPts val="0"/>
-              </a:spcBef>
-              <a:spcAft>
-                <a:spcPts val="0"/>
-              </a:spcAft>
-              <a:buNone/>
-            </a:pPr>
-            <a:endParaRPr dirty="0"/>
-          </a:p>
-        </p:txBody>
-      </p:sp>
-    </p:spTree>
-  </p:cSld>
-  <p:clrMapOvr>
-    <a:masterClrMapping/>
-  </p:clrMapOvr>
-</p:notes>
-</file>
-
-<file path=ppt/notesSlides/notesSlide6.xml><?xml version="1.0" encoding="utf-8"?>
-<p:notes xmlns:a="http://schemas.openxmlformats.org/drawingml/2006/main" xmlns:r="http://schemas.openxmlformats.org/officeDocument/2006/relationships" xmlns:p="http://schemas.openxmlformats.org/presentationml/2006/main" showMasterSp="0" showMasterPhAnim="0">
-  <p:cSld>
-    <p:spTree>
-      <p:nvGrpSpPr>
-        <p:cNvPr id="1" name="Shape 501"/>
-        <p:cNvGrpSpPr/>
-        <p:nvPr/>
-      </p:nvGrpSpPr>
-      <p:grpSpPr>
-        <a:xfrm>
-          <a:off x="0" y="0"/>
-          <a:ext cx="0" cy="0"/>
-          <a:chOff x="0" y="0"/>
-          <a:chExt cx="0" cy="0"/>
-        </a:xfrm>
-      </p:grpSpPr>
-      <p:sp>
-        <p:nvSpPr>
-          <p:cNvPr id="502" name="Google Shape;502;gab8d1ca927_3_608:notes"/>
-          <p:cNvSpPr>
-            <a:spLocks noGrp="1" noRot="1" noChangeAspect="1"/>
-          </p:cNvSpPr>
-          <p:nvPr>
-            <p:ph type="sldImg" idx="2"/>
-          </p:nvPr>
-        </p:nvSpPr>
-        <p:spPr>
-          <a:xfrm>
-            <a:off x="381000" y="685800"/>
-            <a:ext cx="6096000" cy="3429000"/>
-          </a:xfrm>
-          <a:custGeom>
-            <a:avLst/>
-            <a:gdLst/>
-            <a:ahLst/>
-            <a:cxnLst/>
-            <a:rect l="l" t="t" r="r" b="b"/>
-            <a:pathLst>
-              <a:path w="120000" h="120000" extrusionOk="0">
-                <a:moveTo>
-                  <a:pt x="0" y="0"/>
-                </a:moveTo>
-                <a:lnTo>
-                  <a:pt x="120000" y="0"/>
-                </a:lnTo>
-                <a:lnTo>
-                  <a:pt x="120000" y="120000"/>
-                </a:lnTo>
-                <a:lnTo>
-                  <a:pt x="0" y="120000"/>
-                </a:lnTo>
-                <a:close/>
-              </a:path>
-            </a:pathLst>
-          </a:custGeom>
-        </p:spPr>
-      </p:sp>
-      <p:sp>
-        <p:nvSpPr>
-          <p:cNvPr id="503" name="Google Shape;503;gab8d1ca927_3_608:notes"/>
-          <p:cNvSpPr txBox="1">
-            <a:spLocks noGrp="1"/>
-          </p:cNvSpPr>
-          <p:nvPr>
-            <p:ph type="body" idx="1"/>
-          </p:nvPr>
-        </p:nvSpPr>
-        <p:spPr>
-          <a:xfrm>
-            <a:off x="685800" y="4343400"/>
-            <a:ext cx="5486400" cy="4114800"/>
-          </a:xfrm>
-          <a:prstGeom prst="rect">
-            <a:avLst/>
-          </a:prstGeom>
-        </p:spPr>
-        <p:txBody>
-          <a:bodyPr spcFirstLastPara="1" wrap="square" lIns="91425" tIns="91425" rIns="91425" bIns="91425" anchor="t" anchorCtr="0">
-            <a:noAutofit/>
-          </a:bodyPr>
-          <a:lstStyle/>
-          <a:p>
-            <a:pPr marL="0" lvl="0" indent="0" algn="l" rtl="0">
-              <a:spcBef>
-                <a:spcPts val="0"/>
-              </a:spcBef>
-              <a:spcAft>
-                <a:spcPts val="0"/>
-              </a:spcAft>
-              <a:buNone/>
-            </a:pPr>
-            <a:endParaRPr dirty="0"/>
-          </a:p>
-        </p:txBody>
-      </p:sp>
-    </p:spTree>
-    <p:extLst>
-      <p:ext uri="{BB962C8B-B14F-4D97-AF65-F5344CB8AC3E}">
-        <p14:creationId xmlns:p14="http://schemas.microsoft.com/office/powerpoint/2010/main" val="3118568489"/>
-      </p:ext>
-    </p:extLst>
   </p:cSld>
   <p:clrMapOvr>
     <a:masterClrMapping/>
@@ -1732,2426 +1522,6 @@
 </file>
 
 <file path=ppt/slideLayouts/slideLayout12.xml><?xml version="1.0" encoding="utf-8"?>
-<p:sldLayout xmlns:a="http://schemas.openxmlformats.org/drawingml/2006/main" xmlns:r="http://schemas.openxmlformats.org/officeDocument/2006/relationships" xmlns:p="http://schemas.openxmlformats.org/presentationml/2006/main" matchingName="Title and body" type="tx">
-  <p:cSld name="Title and body">
-    <p:spTree>
-      <p:nvGrpSpPr>
-        <p:cNvPr id="1" name="Shape 44"/>
-        <p:cNvGrpSpPr/>
-        <p:nvPr/>
-      </p:nvGrpSpPr>
-      <p:grpSpPr>
-        <a:xfrm>
-          <a:off x="0" y="0"/>
-          <a:ext cx="0" cy="0"/>
-          <a:chOff x="0" y="0"/>
-          <a:chExt cx="0" cy="0"/>
-        </a:xfrm>
-      </p:grpSpPr>
-      <p:sp>
-        <p:nvSpPr>
-          <p:cNvPr id="45" name="Google Shape;45;p4"/>
-          <p:cNvSpPr txBox="1">
-            <a:spLocks noGrp="1"/>
-          </p:cNvSpPr>
-          <p:nvPr>
-            <p:ph type="title"/>
-          </p:nvPr>
-        </p:nvSpPr>
-        <p:spPr>
-          <a:xfrm>
-            <a:off x="720000" y="484367"/>
-            <a:ext cx="10752000" cy="763600"/>
-          </a:xfrm>
-          <a:prstGeom prst="rect">
-            <a:avLst/>
-          </a:prstGeom>
-        </p:spPr>
-        <p:txBody>
-          <a:bodyPr spcFirstLastPara="1" wrap="square" lIns="91425" tIns="91425" rIns="91425" bIns="91425" anchor="t" anchorCtr="0">
-            <a:noAutofit/>
-          </a:bodyPr>
-          <a:lstStyle>
-            <a:lvl1pPr lvl="0">
-              <a:spcBef>
-                <a:spcPts val="0"/>
-              </a:spcBef>
-              <a:spcAft>
-                <a:spcPts val="0"/>
-              </a:spcAft>
-              <a:buSzPts val="3000"/>
-              <a:buNone/>
-              <a:defRPr/>
-            </a:lvl1pPr>
-            <a:lvl2pPr lvl="1">
-              <a:spcBef>
-                <a:spcPts val="0"/>
-              </a:spcBef>
-              <a:spcAft>
-                <a:spcPts val="0"/>
-              </a:spcAft>
-              <a:buSzPts val="3000"/>
-              <a:buNone/>
-              <a:defRPr/>
-            </a:lvl2pPr>
-            <a:lvl3pPr lvl="2">
-              <a:spcBef>
-                <a:spcPts val="0"/>
-              </a:spcBef>
-              <a:spcAft>
-                <a:spcPts val="0"/>
-              </a:spcAft>
-              <a:buSzPts val="3000"/>
-              <a:buNone/>
-              <a:defRPr/>
-            </a:lvl3pPr>
-            <a:lvl4pPr lvl="3">
-              <a:spcBef>
-                <a:spcPts val="0"/>
-              </a:spcBef>
-              <a:spcAft>
-                <a:spcPts val="0"/>
-              </a:spcAft>
-              <a:buSzPts val="3000"/>
-              <a:buNone/>
-              <a:defRPr/>
-            </a:lvl4pPr>
-            <a:lvl5pPr lvl="4">
-              <a:spcBef>
-                <a:spcPts val="0"/>
-              </a:spcBef>
-              <a:spcAft>
-                <a:spcPts val="0"/>
-              </a:spcAft>
-              <a:buSzPts val="3000"/>
-              <a:buNone/>
-              <a:defRPr/>
-            </a:lvl5pPr>
-            <a:lvl6pPr lvl="5">
-              <a:spcBef>
-                <a:spcPts val="0"/>
-              </a:spcBef>
-              <a:spcAft>
-                <a:spcPts val="0"/>
-              </a:spcAft>
-              <a:buSzPts val="3000"/>
-              <a:buNone/>
-              <a:defRPr/>
-            </a:lvl6pPr>
-            <a:lvl7pPr lvl="6">
-              <a:spcBef>
-                <a:spcPts val="0"/>
-              </a:spcBef>
-              <a:spcAft>
-                <a:spcPts val="0"/>
-              </a:spcAft>
-              <a:buSzPts val="3000"/>
-              <a:buNone/>
-              <a:defRPr/>
-            </a:lvl7pPr>
-            <a:lvl8pPr lvl="7">
-              <a:spcBef>
-                <a:spcPts val="0"/>
-              </a:spcBef>
-              <a:spcAft>
-                <a:spcPts val="0"/>
-              </a:spcAft>
-              <a:buSzPts val="3000"/>
-              <a:buNone/>
-              <a:defRPr/>
-            </a:lvl8pPr>
-            <a:lvl9pPr lvl="8">
-              <a:spcBef>
-                <a:spcPts val="0"/>
-              </a:spcBef>
-              <a:spcAft>
-                <a:spcPts val="0"/>
-              </a:spcAft>
-              <a:buSzPts val="3000"/>
-              <a:buNone/>
-              <a:defRPr/>
-            </a:lvl9pPr>
-          </a:lstStyle>
-          <a:p>
-            <a:endParaRPr/>
-          </a:p>
-        </p:txBody>
-      </p:sp>
-      <p:sp>
-        <p:nvSpPr>
-          <p:cNvPr id="46" name="Google Shape;46;p4"/>
-          <p:cNvSpPr txBox="1">
-            <a:spLocks noGrp="1"/>
-          </p:cNvSpPr>
-          <p:nvPr>
-            <p:ph type="body" idx="1"/>
-          </p:nvPr>
-        </p:nvSpPr>
-        <p:spPr>
-          <a:xfrm>
-            <a:off x="720000" y="1371600"/>
-            <a:ext cx="10752000" cy="4766400"/>
-          </a:xfrm>
-          <a:prstGeom prst="rect">
-            <a:avLst/>
-          </a:prstGeom>
-        </p:spPr>
-        <p:txBody>
-          <a:bodyPr spcFirstLastPara="1" wrap="square" lIns="91425" tIns="91425" rIns="91425" bIns="91425" anchor="t" anchorCtr="0">
-            <a:noAutofit/>
-          </a:bodyPr>
-          <a:lstStyle>
-            <a:lvl1pPr marL="609585" lvl="0" indent="-457189">
-              <a:lnSpc>
-                <a:spcPct val="100000"/>
-              </a:lnSpc>
-              <a:spcBef>
-                <a:spcPts val="0"/>
-              </a:spcBef>
-              <a:spcAft>
-                <a:spcPts val="0"/>
-              </a:spcAft>
-              <a:buSzPts val="1800"/>
-              <a:buChar char="●"/>
-              <a:defRPr sz="1600"/>
-            </a:lvl1pPr>
-            <a:lvl2pPr marL="1219170" lvl="1" indent="-423323">
-              <a:spcBef>
-                <a:spcPts val="2133"/>
-              </a:spcBef>
-              <a:spcAft>
-                <a:spcPts val="0"/>
-              </a:spcAft>
-              <a:buSzPts val="1400"/>
-              <a:buChar char="○"/>
-              <a:defRPr/>
-            </a:lvl2pPr>
-            <a:lvl3pPr marL="1828754" lvl="2" indent="-423323">
-              <a:spcBef>
-                <a:spcPts val="2133"/>
-              </a:spcBef>
-              <a:spcAft>
-                <a:spcPts val="0"/>
-              </a:spcAft>
-              <a:buSzPts val="1400"/>
-              <a:buChar char="■"/>
-              <a:defRPr/>
-            </a:lvl3pPr>
-            <a:lvl4pPr marL="2438339" lvl="3" indent="-423323">
-              <a:spcBef>
-                <a:spcPts val="2133"/>
-              </a:spcBef>
-              <a:spcAft>
-                <a:spcPts val="0"/>
-              </a:spcAft>
-              <a:buSzPts val="1400"/>
-              <a:buChar char="●"/>
-              <a:defRPr/>
-            </a:lvl4pPr>
-            <a:lvl5pPr marL="3047924" lvl="4" indent="-423323">
-              <a:spcBef>
-                <a:spcPts val="2133"/>
-              </a:spcBef>
-              <a:spcAft>
-                <a:spcPts val="0"/>
-              </a:spcAft>
-              <a:buSzPts val="1400"/>
-              <a:buChar char="○"/>
-              <a:defRPr/>
-            </a:lvl5pPr>
-            <a:lvl6pPr marL="3657509" lvl="5" indent="-423323">
-              <a:spcBef>
-                <a:spcPts val="2133"/>
-              </a:spcBef>
-              <a:spcAft>
-                <a:spcPts val="0"/>
-              </a:spcAft>
-              <a:buSzPts val="1400"/>
-              <a:buChar char="■"/>
-              <a:defRPr/>
-            </a:lvl6pPr>
-            <a:lvl7pPr marL="4267093" lvl="6" indent="-423323">
-              <a:spcBef>
-                <a:spcPts val="2133"/>
-              </a:spcBef>
-              <a:spcAft>
-                <a:spcPts val="0"/>
-              </a:spcAft>
-              <a:buSzPts val="1400"/>
-              <a:buChar char="●"/>
-              <a:defRPr/>
-            </a:lvl7pPr>
-            <a:lvl8pPr marL="4876678" lvl="7" indent="-423323">
-              <a:spcBef>
-                <a:spcPts val="2133"/>
-              </a:spcBef>
-              <a:spcAft>
-                <a:spcPts val="0"/>
-              </a:spcAft>
-              <a:buSzPts val="1400"/>
-              <a:buChar char="○"/>
-              <a:defRPr/>
-            </a:lvl8pPr>
-            <a:lvl9pPr marL="5486263" lvl="8" indent="-423323">
-              <a:spcBef>
-                <a:spcPts val="2133"/>
-              </a:spcBef>
-              <a:spcAft>
-                <a:spcPts val="2133"/>
-              </a:spcAft>
-              <a:buSzPts val="1400"/>
-              <a:buChar char="■"/>
-              <a:defRPr/>
-            </a:lvl9pPr>
-          </a:lstStyle>
-          <a:p>
-            <a:endParaRPr/>
-          </a:p>
-        </p:txBody>
-      </p:sp>
-      <p:grpSp>
-        <p:nvGrpSpPr>
-          <p:cNvPr id="47" name="Google Shape;47;p4"/>
-          <p:cNvGrpSpPr/>
-          <p:nvPr/>
-        </p:nvGrpSpPr>
-        <p:grpSpPr>
-          <a:xfrm flipH="1">
-            <a:off x="-172999" y="-155066"/>
-            <a:ext cx="3578712" cy="2317551"/>
-            <a:chOff x="6654501" y="-116300"/>
-            <a:chExt cx="2684034" cy="1738163"/>
-          </a:xfrm>
-        </p:grpSpPr>
-        <p:sp>
-          <p:nvSpPr>
-            <p:cNvPr id="48" name="Google Shape;48;p4"/>
-            <p:cNvSpPr/>
-            <p:nvPr/>
-          </p:nvSpPr>
-          <p:spPr>
-            <a:xfrm>
-              <a:off x="6654501" y="-116300"/>
-              <a:ext cx="2684034" cy="1535681"/>
-            </a:xfrm>
-            <a:custGeom>
-              <a:avLst/>
-              <a:gdLst/>
-              <a:ahLst/>
-              <a:cxnLst/>
-              <a:rect l="l" t="t" r="r" b="b"/>
-              <a:pathLst>
-                <a:path w="64695" h="36451" extrusionOk="0">
-                  <a:moveTo>
-                    <a:pt x="5503" y="0"/>
-                  </a:moveTo>
-                  <a:cubicBezTo>
-                    <a:pt x="2589" y="0"/>
-                    <a:pt x="1" y="186"/>
-                    <a:pt x="237" y="874"/>
-                  </a:cubicBezTo>
-                  <a:cubicBezTo>
-                    <a:pt x="460" y="1499"/>
-                    <a:pt x="4411" y="2169"/>
-                    <a:pt x="5259" y="2593"/>
-                  </a:cubicBezTo>
-                  <a:cubicBezTo>
-                    <a:pt x="7178" y="3552"/>
-                    <a:pt x="8897" y="4869"/>
-                    <a:pt x="10325" y="6454"/>
-                  </a:cubicBezTo>
-                  <a:cubicBezTo>
-                    <a:pt x="13673" y="10092"/>
-                    <a:pt x="16619" y="21050"/>
-                    <a:pt x="24989" y="22345"/>
-                  </a:cubicBezTo>
-                  <a:cubicBezTo>
-                    <a:pt x="25398" y="22407"/>
-                    <a:pt x="25804" y="22437"/>
-                    <a:pt x="26206" y="22437"/>
-                  </a:cubicBezTo>
-                  <a:cubicBezTo>
-                    <a:pt x="31849" y="22437"/>
-                    <a:pt x="36809" y="16669"/>
-                    <a:pt x="38871" y="15314"/>
-                  </a:cubicBezTo>
-                  <a:cubicBezTo>
-                    <a:pt x="39863" y="14681"/>
-                    <a:pt x="40996" y="14362"/>
-                    <a:pt x="42135" y="14362"/>
-                  </a:cubicBezTo>
-                  <a:cubicBezTo>
-                    <a:pt x="43201" y="14362"/>
-                    <a:pt x="44272" y="14642"/>
-                    <a:pt x="45232" y="15203"/>
-                  </a:cubicBezTo>
-                  <a:cubicBezTo>
-                    <a:pt x="49027" y="17502"/>
-                    <a:pt x="49071" y="22858"/>
-                    <a:pt x="50634" y="27010"/>
-                  </a:cubicBezTo>
-                  <a:cubicBezTo>
-                    <a:pt x="52642" y="32143"/>
-                    <a:pt x="57307" y="35759"/>
-                    <a:pt x="62775" y="36450"/>
-                  </a:cubicBezTo>
-                  <a:cubicBezTo>
-                    <a:pt x="62396" y="25269"/>
-                    <a:pt x="63043" y="14065"/>
-                    <a:pt x="64694" y="2994"/>
-                  </a:cubicBezTo>
-                  <a:cubicBezTo>
-                    <a:pt x="57530" y="1745"/>
-                    <a:pt x="50232" y="1499"/>
-                    <a:pt x="42978" y="1254"/>
-                  </a:cubicBezTo>
-                  <a:cubicBezTo>
-                    <a:pt x="32957" y="896"/>
-                    <a:pt x="22936" y="562"/>
-                    <a:pt x="12914" y="249"/>
-                  </a:cubicBezTo>
-                  <a:cubicBezTo>
-                    <a:pt x="12140" y="215"/>
-                    <a:pt x="8634" y="0"/>
-                    <a:pt x="5503" y="0"/>
-                  </a:cubicBezTo>
-                  <a:close/>
-                </a:path>
-              </a:pathLst>
-            </a:custGeom>
-            <a:solidFill>
-              <a:schemeClr val="accent3"/>
-            </a:solidFill>
-            <a:ln>
-              <a:noFill/>
-            </a:ln>
-          </p:spPr>
-          <p:txBody>
-            <a:bodyPr spcFirstLastPara="1" wrap="square" lIns="91425" tIns="91425" rIns="91425" bIns="91425" anchor="ctr" anchorCtr="0">
-              <a:noAutofit/>
-            </a:bodyPr>
-            <a:lstStyle/>
-            <a:p>
-              <a:pPr marL="0" lvl="0" indent="0" algn="l" rtl="0">
-                <a:spcBef>
-                  <a:spcPts val="0"/>
-                </a:spcBef>
-                <a:spcAft>
-                  <a:spcPts val="0"/>
-                </a:spcAft>
-                <a:buNone/>
-              </a:pPr>
-              <a:endParaRPr sz="2400" dirty="0"/>
-            </a:p>
-          </p:txBody>
-        </p:sp>
-        <p:sp>
-          <p:nvSpPr>
-            <p:cNvPr id="49" name="Google Shape;49;p4"/>
-            <p:cNvSpPr/>
-            <p:nvPr/>
-          </p:nvSpPr>
-          <p:spPr>
-            <a:xfrm rot="5400000" flipH="1">
-              <a:off x="8050932" y="-354518"/>
-              <a:ext cx="808131" cy="1493289"/>
-            </a:xfrm>
-            <a:custGeom>
-              <a:avLst/>
-              <a:gdLst/>
-              <a:ahLst/>
-              <a:cxnLst/>
-              <a:rect l="l" t="t" r="r" b="b"/>
-              <a:pathLst>
-                <a:path w="24039" h="44420" extrusionOk="0">
-                  <a:moveTo>
-                    <a:pt x="17715" y="1"/>
-                  </a:moveTo>
-                  <a:cubicBezTo>
-                    <a:pt x="16371" y="1"/>
-                    <a:pt x="14900" y="541"/>
-                    <a:pt x="13704" y="2213"/>
-                  </a:cubicBezTo>
-                  <a:cubicBezTo>
-                    <a:pt x="10848" y="6185"/>
-                    <a:pt x="15289" y="12211"/>
-                    <a:pt x="13392" y="17300"/>
-                  </a:cubicBezTo>
-                  <a:cubicBezTo>
-                    <a:pt x="11272" y="22947"/>
-                    <a:pt x="1" y="24509"/>
-                    <a:pt x="1384" y="34262"/>
-                  </a:cubicBezTo>
-                  <a:cubicBezTo>
-                    <a:pt x="2268" y="40412"/>
-                    <a:pt x="11808" y="44419"/>
-                    <a:pt x="18141" y="44419"/>
-                  </a:cubicBezTo>
-                  <a:cubicBezTo>
-                    <a:pt x="19486" y="44419"/>
-                    <a:pt x="20686" y="44239"/>
-                    <a:pt x="21628" y="43860"/>
-                  </a:cubicBezTo>
-                  <a:cubicBezTo>
-                    <a:pt x="21918" y="43748"/>
-                    <a:pt x="23413" y="36851"/>
-                    <a:pt x="23480" y="36048"/>
-                  </a:cubicBezTo>
-                  <a:cubicBezTo>
-                    <a:pt x="24038" y="28549"/>
-                    <a:pt x="24016" y="20983"/>
-                    <a:pt x="23369" y="13484"/>
-                  </a:cubicBezTo>
-                  <a:cubicBezTo>
-                    <a:pt x="23056" y="9890"/>
-                    <a:pt x="22699" y="6252"/>
-                    <a:pt x="22186" y="2681"/>
-                  </a:cubicBezTo>
-                  <a:cubicBezTo>
-                    <a:pt x="22052" y="1766"/>
-                    <a:pt x="22141" y="2168"/>
-                    <a:pt x="21315" y="1320"/>
-                  </a:cubicBezTo>
-                  <a:cubicBezTo>
-                    <a:pt x="20767" y="784"/>
-                    <a:pt x="19333" y="1"/>
-                    <a:pt x="17715" y="1"/>
-                  </a:cubicBezTo>
-                  <a:close/>
-                </a:path>
-              </a:pathLst>
-            </a:custGeom>
-            <a:solidFill>
-              <a:schemeClr val="lt2"/>
-            </a:solidFill>
-            <a:ln>
-              <a:noFill/>
-            </a:ln>
-          </p:spPr>
-          <p:txBody>
-            <a:bodyPr spcFirstLastPara="1" wrap="square" lIns="91425" tIns="91425" rIns="91425" bIns="91425" anchor="ctr" anchorCtr="0">
-              <a:noAutofit/>
-            </a:bodyPr>
-            <a:lstStyle/>
-            <a:p>
-              <a:pPr marL="0" lvl="0" indent="0" algn="l" rtl="0">
-                <a:spcBef>
-                  <a:spcPts val="0"/>
-                </a:spcBef>
-                <a:spcAft>
-                  <a:spcPts val="0"/>
-                </a:spcAft>
-                <a:buNone/>
-              </a:pPr>
-              <a:endParaRPr sz="2400" dirty="0"/>
-            </a:p>
-          </p:txBody>
-        </p:sp>
-        <p:sp>
-          <p:nvSpPr>
-            <p:cNvPr id="50" name="Google Shape;50;p4"/>
-            <p:cNvSpPr/>
-            <p:nvPr/>
-          </p:nvSpPr>
-          <p:spPr>
-            <a:xfrm rot="10800000">
-              <a:off x="7613850" y="-116300"/>
-              <a:ext cx="1724676" cy="736904"/>
-            </a:xfrm>
-            <a:custGeom>
-              <a:avLst/>
-              <a:gdLst/>
-              <a:ahLst/>
-              <a:cxnLst/>
-              <a:rect l="l" t="t" r="r" b="b"/>
-              <a:pathLst>
-                <a:path w="143993" h="61524" extrusionOk="0">
-                  <a:moveTo>
-                    <a:pt x="25900" y="1"/>
-                  </a:moveTo>
-                  <a:cubicBezTo>
-                    <a:pt x="11671" y="1"/>
-                    <a:pt x="1" y="8596"/>
-                    <a:pt x="1" y="8596"/>
-                  </a:cubicBezTo>
-                  <a:lnTo>
-                    <a:pt x="186" y="61523"/>
-                  </a:lnTo>
-                  <a:lnTo>
-                    <a:pt x="143993" y="61523"/>
-                  </a:lnTo>
-                  <a:cubicBezTo>
-                    <a:pt x="138074" y="43327"/>
-                    <a:pt x="128448" y="39288"/>
-                    <a:pt x="117124" y="39288"/>
-                  </a:cubicBezTo>
-                  <a:cubicBezTo>
-                    <a:pt x="108085" y="39288"/>
-                    <a:pt x="97965" y="41861"/>
-                    <a:pt x="87783" y="41861"/>
-                  </a:cubicBezTo>
-                  <a:cubicBezTo>
-                    <a:pt x="83897" y="41861"/>
-                    <a:pt x="80003" y="41486"/>
-                    <a:pt x="76156" y="40451"/>
-                  </a:cubicBezTo>
-                  <a:cubicBezTo>
-                    <a:pt x="58842" y="35830"/>
-                    <a:pt x="64326" y="18763"/>
-                    <a:pt x="43685" y="5269"/>
-                  </a:cubicBezTo>
-                  <a:cubicBezTo>
-                    <a:pt x="37737" y="1386"/>
-                    <a:pt x="31612" y="1"/>
-                    <a:pt x="25900" y="1"/>
-                  </a:cubicBezTo>
-                  <a:close/>
-                </a:path>
-              </a:pathLst>
-            </a:custGeom>
-            <a:solidFill>
-              <a:schemeClr val="dk1"/>
-            </a:solidFill>
-            <a:ln>
-              <a:noFill/>
-            </a:ln>
-          </p:spPr>
-          <p:txBody>
-            <a:bodyPr spcFirstLastPara="1" wrap="square" lIns="91425" tIns="91425" rIns="91425" bIns="91425" anchor="ctr" anchorCtr="0">
-              <a:noAutofit/>
-            </a:bodyPr>
-            <a:lstStyle/>
-            <a:p>
-              <a:pPr marL="0" lvl="0" indent="0" algn="l" rtl="0">
-                <a:spcBef>
-                  <a:spcPts val="0"/>
-                </a:spcBef>
-                <a:spcAft>
-                  <a:spcPts val="0"/>
-                </a:spcAft>
-                <a:buNone/>
-              </a:pPr>
-              <a:endParaRPr sz="2400" dirty="0"/>
-            </a:p>
-          </p:txBody>
-        </p:sp>
-        <p:sp>
-          <p:nvSpPr>
-            <p:cNvPr id="51" name="Google Shape;51;p4"/>
-            <p:cNvSpPr/>
-            <p:nvPr/>
-          </p:nvSpPr>
-          <p:spPr>
-            <a:xfrm>
-              <a:off x="7365463" y="107038"/>
-              <a:ext cx="163500" cy="163500"/>
-            </a:xfrm>
-            <a:prstGeom prst="ellipse">
-              <a:avLst/>
-            </a:prstGeom>
-            <a:solidFill>
-              <a:schemeClr val="dk2"/>
-            </a:solidFill>
-            <a:ln>
-              <a:noFill/>
-            </a:ln>
-          </p:spPr>
-          <p:txBody>
-            <a:bodyPr spcFirstLastPara="1" wrap="square" lIns="91425" tIns="91425" rIns="91425" bIns="91425" anchor="ctr" anchorCtr="0">
-              <a:noAutofit/>
-            </a:bodyPr>
-            <a:lstStyle/>
-            <a:p>
-              <a:pPr marL="0" lvl="0" indent="0" algn="l" rtl="0">
-                <a:spcBef>
-                  <a:spcPts val="0"/>
-                </a:spcBef>
-                <a:spcAft>
-                  <a:spcPts val="0"/>
-                </a:spcAft>
-                <a:buNone/>
-              </a:pPr>
-              <a:endParaRPr sz="2400" dirty="0"/>
-            </a:p>
-          </p:txBody>
-        </p:sp>
-        <p:sp>
-          <p:nvSpPr>
-            <p:cNvPr id="52" name="Google Shape;52;p4"/>
-            <p:cNvSpPr/>
-            <p:nvPr/>
-          </p:nvSpPr>
-          <p:spPr>
-            <a:xfrm>
-              <a:off x="8469625" y="775288"/>
-              <a:ext cx="98400" cy="98700"/>
-            </a:xfrm>
-            <a:prstGeom prst="ellipse">
-              <a:avLst/>
-            </a:prstGeom>
-            <a:solidFill>
-              <a:schemeClr val="accent2"/>
-            </a:solidFill>
-            <a:ln>
-              <a:noFill/>
-            </a:ln>
-          </p:spPr>
-          <p:txBody>
-            <a:bodyPr spcFirstLastPara="1" wrap="square" lIns="91425" tIns="91425" rIns="91425" bIns="91425" anchor="ctr" anchorCtr="0">
-              <a:noAutofit/>
-            </a:bodyPr>
-            <a:lstStyle/>
-            <a:p>
-              <a:pPr marL="0" lvl="0" indent="0" algn="l" rtl="0">
-                <a:spcBef>
-                  <a:spcPts val="0"/>
-                </a:spcBef>
-                <a:spcAft>
-                  <a:spcPts val="0"/>
-                </a:spcAft>
-                <a:buNone/>
-              </a:pPr>
-              <a:endParaRPr sz="2400" dirty="0"/>
-            </a:p>
-          </p:txBody>
-        </p:sp>
-        <p:sp>
-          <p:nvSpPr>
-            <p:cNvPr id="53" name="Google Shape;53;p4"/>
-            <p:cNvSpPr/>
-            <p:nvPr/>
-          </p:nvSpPr>
-          <p:spPr>
-            <a:xfrm>
-              <a:off x="8942775" y="1523163"/>
-              <a:ext cx="98400" cy="98700"/>
-            </a:xfrm>
-            <a:prstGeom prst="ellipse">
-              <a:avLst/>
-            </a:prstGeom>
-            <a:solidFill>
-              <a:schemeClr val="dk1"/>
-            </a:solidFill>
-            <a:ln>
-              <a:noFill/>
-            </a:ln>
-          </p:spPr>
-          <p:txBody>
-            <a:bodyPr spcFirstLastPara="1" wrap="square" lIns="91425" tIns="91425" rIns="91425" bIns="91425" anchor="ctr" anchorCtr="0">
-              <a:noAutofit/>
-            </a:bodyPr>
-            <a:lstStyle/>
-            <a:p>
-              <a:pPr marL="0" lvl="0" indent="0" algn="l" rtl="0">
-                <a:spcBef>
-                  <a:spcPts val="0"/>
-                </a:spcBef>
-                <a:spcAft>
-                  <a:spcPts val="0"/>
-                </a:spcAft>
-                <a:buNone/>
-              </a:pPr>
-              <a:endParaRPr sz="2400" dirty="0"/>
-            </a:p>
-          </p:txBody>
-        </p:sp>
-      </p:grpSp>
-      <p:grpSp>
-        <p:nvGrpSpPr>
-          <p:cNvPr id="54" name="Google Shape;54;p4"/>
-          <p:cNvGrpSpPr/>
-          <p:nvPr/>
-        </p:nvGrpSpPr>
-        <p:grpSpPr>
-          <a:xfrm>
-            <a:off x="9075868" y="-155066"/>
-            <a:ext cx="3578712" cy="2317551"/>
-            <a:chOff x="6654501" y="-116300"/>
-            <a:chExt cx="2684034" cy="1738163"/>
-          </a:xfrm>
-        </p:grpSpPr>
-        <p:sp>
-          <p:nvSpPr>
-            <p:cNvPr id="55" name="Google Shape;55;p4"/>
-            <p:cNvSpPr/>
-            <p:nvPr/>
-          </p:nvSpPr>
-          <p:spPr>
-            <a:xfrm>
-              <a:off x="6654501" y="-116300"/>
-              <a:ext cx="2684034" cy="1535681"/>
-            </a:xfrm>
-            <a:custGeom>
-              <a:avLst/>
-              <a:gdLst/>
-              <a:ahLst/>
-              <a:cxnLst/>
-              <a:rect l="l" t="t" r="r" b="b"/>
-              <a:pathLst>
-                <a:path w="64695" h="36451" extrusionOk="0">
-                  <a:moveTo>
-                    <a:pt x="5503" y="0"/>
-                  </a:moveTo>
-                  <a:cubicBezTo>
-                    <a:pt x="2589" y="0"/>
-                    <a:pt x="1" y="186"/>
-                    <a:pt x="237" y="874"/>
-                  </a:cubicBezTo>
-                  <a:cubicBezTo>
-                    <a:pt x="460" y="1499"/>
-                    <a:pt x="4411" y="2169"/>
-                    <a:pt x="5259" y="2593"/>
-                  </a:cubicBezTo>
-                  <a:cubicBezTo>
-                    <a:pt x="7178" y="3552"/>
-                    <a:pt x="8897" y="4869"/>
-                    <a:pt x="10325" y="6454"/>
-                  </a:cubicBezTo>
-                  <a:cubicBezTo>
-                    <a:pt x="13673" y="10092"/>
-                    <a:pt x="16619" y="21050"/>
-                    <a:pt x="24989" y="22345"/>
-                  </a:cubicBezTo>
-                  <a:cubicBezTo>
-                    <a:pt x="25398" y="22407"/>
-                    <a:pt x="25804" y="22437"/>
-                    <a:pt x="26206" y="22437"/>
-                  </a:cubicBezTo>
-                  <a:cubicBezTo>
-                    <a:pt x="31849" y="22437"/>
-                    <a:pt x="36809" y="16669"/>
-                    <a:pt x="38871" y="15314"/>
-                  </a:cubicBezTo>
-                  <a:cubicBezTo>
-                    <a:pt x="39863" y="14681"/>
-                    <a:pt x="40996" y="14362"/>
-                    <a:pt x="42135" y="14362"/>
-                  </a:cubicBezTo>
-                  <a:cubicBezTo>
-                    <a:pt x="43201" y="14362"/>
-                    <a:pt x="44272" y="14642"/>
-                    <a:pt x="45232" y="15203"/>
-                  </a:cubicBezTo>
-                  <a:cubicBezTo>
-                    <a:pt x="49027" y="17502"/>
-                    <a:pt x="49071" y="22858"/>
-                    <a:pt x="50634" y="27010"/>
-                  </a:cubicBezTo>
-                  <a:cubicBezTo>
-                    <a:pt x="52642" y="32143"/>
-                    <a:pt x="57307" y="35759"/>
-                    <a:pt x="62775" y="36450"/>
-                  </a:cubicBezTo>
-                  <a:cubicBezTo>
-                    <a:pt x="62396" y="25269"/>
-                    <a:pt x="63043" y="14065"/>
-                    <a:pt x="64694" y="2994"/>
-                  </a:cubicBezTo>
-                  <a:cubicBezTo>
-                    <a:pt x="57530" y="1745"/>
-                    <a:pt x="50232" y="1499"/>
-                    <a:pt x="42978" y="1254"/>
-                  </a:cubicBezTo>
-                  <a:cubicBezTo>
-                    <a:pt x="32957" y="896"/>
-                    <a:pt x="22936" y="562"/>
-                    <a:pt x="12914" y="249"/>
-                  </a:cubicBezTo>
-                  <a:cubicBezTo>
-                    <a:pt x="12140" y="215"/>
-                    <a:pt x="8634" y="0"/>
-                    <a:pt x="5503" y="0"/>
-                  </a:cubicBezTo>
-                  <a:close/>
-                </a:path>
-              </a:pathLst>
-            </a:custGeom>
-            <a:solidFill>
-              <a:schemeClr val="accent3"/>
-            </a:solidFill>
-            <a:ln>
-              <a:noFill/>
-            </a:ln>
-          </p:spPr>
-          <p:txBody>
-            <a:bodyPr spcFirstLastPara="1" wrap="square" lIns="91425" tIns="91425" rIns="91425" bIns="91425" anchor="ctr" anchorCtr="0">
-              <a:noAutofit/>
-            </a:bodyPr>
-            <a:lstStyle/>
-            <a:p>
-              <a:pPr marL="0" lvl="0" indent="0" algn="l" rtl="0">
-                <a:spcBef>
-                  <a:spcPts val="0"/>
-                </a:spcBef>
-                <a:spcAft>
-                  <a:spcPts val="0"/>
-                </a:spcAft>
-                <a:buNone/>
-              </a:pPr>
-              <a:endParaRPr sz="2400" dirty="0"/>
-            </a:p>
-          </p:txBody>
-        </p:sp>
-        <p:sp>
-          <p:nvSpPr>
-            <p:cNvPr id="56" name="Google Shape;56;p4"/>
-            <p:cNvSpPr/>
-            <p:nvPr/>
-          </p:nvSpPr>
-          <p:spPr>
-            <a:xfrm rot="5400000" flipH="1">
-              <a:off x="8050932" y="-354518"/>
-              <a:ext cx="808131" cy="1493289"/>
-            </a:xfrm>
-            <a:custGeom>
-              <a:avLst/>
-              <a:gdLst/>
-              <a:ahLst/>
-              <a:cxnLst/>
-              <a:rect l="l" t="t" r="r" b="b"/>
-              <a:pathLst>
-                <a:path w="24039" h="44420" extrusionOk="0">
-                  <a:moveTo>
-                    <a:pt x="17715" y="1"/>
-                  </a:moveTo>
-                  <a:cubicBezTo>
-                    <a:pt x="16371" y="1"/>
-                    <a:pt x="14900" y="541"/>
-                    <a:pt x="13704" y="2213"/>
-                  </a:cubicBezTo>
-                  <a:cubicBezTo>
-                    <a:pt x="10848" y="6185"/>
-                    <a:pt x="15289" y="12211"/>
-                    <a:pt x="13392" y="17300"/>
-                  </a:cubicBezTo>
-                  <a:cubicBezTo>
-                    <a:pt x="11272" y="22947"/>
-                    <a:pt x="1" y="24509"/>
-                    <a:pt x="1384" y="34262"/>
-                  </a:cubicBezTo>
-                  <a:cubicBezTo>
-                    <a:pt x="2268" y="40412"/>
-                    <a:pt x="11808" y="44419"/>
-                    <a:pt x="18141" y="44419"/>
-                  </a:cubicBezTo>
-                  <a:cubicBezTo>
-                    <a:pt x="19486" y="44419"/>
-                    <a:pt x="20686" y="44239"/>
-                    <a:pt x="21628" y="43860"/>
-                  </a:cubicBezTo>
-                  <a:cubicBezTo>
-                    <a:pt x="21918" y="43748"/>
-                    <a:pt x="23413" y="36851"/>
-                    <a:pt x="23480" y="36048"/>
-                  </a:cubicBezTo>
-                  <a:cubicBezTo>
-                    <a:pt x="24038" y="28549"/>
-                    <a:pt x="24016" y="20983"/>
-                    <a:pt x="23369" y="13484"/>
-                  </a:cubicBezTo>
-                  <a:cubicBezTo>
-                    <a:pt x="23056" y="9890"/>
-                    <a:pt x="22699" y="6252"/>
-                    <a:pt x="22186" y="2681"/>
-                  </a:cubicBezTo>
-                  <a:cubicBezTo>
-                    <a:pt x="22052" y="1766"/>
-                    <a:pt x="22141" y="2168"/>
-                    <a:pt x="21315" y="1320"/>
-                  </a:cubicBezTo>
-                  <a:cubicBezTo>
-                    <a:pt x="20767" y="784"/>
-                    <a:pt x="19333" y="1"/>
-                    <a:pt x="17715" y="1"/>
-                  </a:cubicBezTo>
-                  <a:close/>
-                </a:path>
-              </a:pathLst>
-            </a:custGeom>
-            <a:solidFill>
-              <a:schemeClr val="lt2"/>
-            </a:solidFill>
-            <a:ln>
-              <a:noFill/>
-            </a:ln>
-          </p:spPr>
-          <p:txBody>
-            <a:bodyPr spcFirstLastPara="1" wrap="square" lIns="91425" tIns="91425" rIns="91425" bIns="91425" anchor="ctr" anchorCtr="0">
-              <a:noAutofit/>
-            </a:bodyPr>
-            <a:lstStyle/>
-            <a:p>
-              <a:pPr marL="0" lvl="0" indent="0" algn="l" rtl="0">
-                <a:spcBef>
-                  <a:spcPts val="0"/>
-                </a:spcBef>
-                <a:spcAft>
-                  <a:spcPts val="0"/>
-                </a:spcAft>
-                <a:buNone/>
-              </a:pPr>
-              <a:endParaRPr sz="2400" dirty="0"/>
-            </a:p>
-          </p:txBody>
-        </p:sp>
-        <p:sp>
-          <p:nvSpPr>
-            <p:cNvPr id="57" name="Google Shape;57;p4"/>
-            <p:cNvSpPr/>
-            <p:nvPr/>
-          </p:nvSpPr>
-          <p:spPr>
-            <a:xfrm rot="10800000">
-              <a:off x="7613850" y="-116300"/>
-              <a:ext cx="1724676" cy="736904"/>
-            </a:xfrm>
-            <a:custGeom>
-              <a:avLst/>
-              <a:gdLst/>
-              <a:ahLst/>
-              <a:cxnLst/>
-              <a:rect l="l" t="t" r="r" b="b"/>
-              <a:pathLst>
-                <a:path w="143993" h="61524" extrusionOk="0">
-                  <a:moveTo>
-                    <a:pt x="25900" y="1"/>
-                  </a:moveTo>
-                  <a:cubicBezTo>
-                    <a:pt x="11671" y="1"/>
-                    <a:pt x="1" y="8596"/>
-                    <a:pt x="1" y="8596"/>
-                  </a:cubicBezTo>
-                  <a:lnTo>
-                    <a:pt x="186" y="61523"/>
-                  </a:lnTo>
-                  <a:lnTo>
-                    <a:pt x="143993" y="61523"/>
-                  </a:lnTo>
-                  <a:cubicBezTo>
-                    <a:pt x="138074" y="43327"/>
-                    <a:pt x="128448" y="39288"/>
-                    <a:pt x="117124" y="39288"/>
-                  </a:cubicBezTo>
-                  <a:cubicBezTo>
-                    <a:pt x="108085" y="39288"/>
-                    <a:pt x="97965" y="41861"/>
-                    <a:pt x="87783" y="41861"/>
-                  </a:cubicBezTo>
-                  <a:cubicBezTo>
-                    <a:pt x="83897" y="41861"/>
-                    <a:pt x="80003" y="41486"/>
-                    <a:pt x="76156" y="40451"/>
-                  </a:cubicBezTo>
-                  <a:cubicBezTo>
-                    <a:pt x="58842" y="35830"/>
-                    <a:pt x="64326" y="18763"/>
-                    <a:pt x="43685" y="5269"/>
-                  </a:cubicBezTo>
-                  <a:cubicBezTo>
-                    <a:pt x="37737" y="1386"/>
-                    <a:pt x="31612" y="1"/>
-                    <a:pt x="25900" y="1"/>
-                  </a:cubicBezTo>
-                  <a:close/>
-                </a:path>
-              </a:pathLst>
-            </a:custGeom>
-            <a:solidFill>
-              <a:schemeClr val="dk1"/>
-            </a:solidFill>
-            <a:ln>
-              <a:noFill/>
-            </a:ln>
-          </p:spPr>
-          <p:txBody>
-            <a:bodyPr spcFirstLastPara="1" wrap="square" lIns="91425" tIns="91425" rIns="91425" bIns="91425" anchor="ctr" anchorCtr="0">
-              <a:noAutofit/>
-            </a:bodyPr>
-            <a:lstStyle/>
-            <a:p>
-              <a:pPr marL="0" lvl="0" indent="0" algn="l" rtl="0">
-                <a:spcBef>
-                  <a:spcPts val="0"/>
-                </a:spcBef>
-                <a:spcAft>
-                  <a:spcPts val="0"/>
-                </a:spcAft>
-                <a:buNone/>
-              </a:pPr>
-              <a:endParaRPr sz="2400" dirty="0"/>
-            </a:p>
-          </p:txBody>
-        </p:sp>
-        <p:sp>
-          <p:nvSpPr>
-            <p:cNvPr id="58" name="Google Shape;58;p4"/>
-            <p:cNvSpPr/>
-            <p:nvPr/>
-          </p:nvSpPr>
-          <p:spPr>
-            <a:xfrm>
-              <a:off x="7365463" y="107038"/>
-              <a:ext cx="163500" cy="163500"/>
-            </a:xfrm>
-            <a:prstGeom prst="ellipse">
-              <a:avLst/>
-            </a:prstGeom>
-            <a:solidFill>
-              <a:schemeClr val="dk2"/>
-            </a:solidFill>
-            <a:ln>
-              <a:noFill/>
-            </a:ln>
-          </p:spPr>
-          <p:txBody>
-            <a:bodyPr spcFirstLastPara="1" wrap="square" lIns="91425" tIns="91425" rIns="91425" bIns="91425" anchor="ctr" anchorCtr="0">
-              <a:noAutofit/>
-            </a:bodyPr>
-            <a:lstStyle/>
-            <a:p>
-              <a:pPr marL="0" lvl="0" indent="0" algn="l" rtl="0">
-                <a:spcBef>
-                  <a:spcPts val="0"/>
-                </a:spcBef>
-                <a:spcAft>
-                  <a:spcPts val="0"/>
-                </a:spcAft>
-                <a:buNone/>
-              </a:pPr>
-              <a:endParaRPr sz="2400" dirty="0"/>
-            </a:p>
-          </p:txBody>
-        </p:sp>
-        <p:sp>
-          <p:nvSpPr>
-            <p:cNvPr id="59" name="Google Shape;59;p4"/>
-            <p:cNvSpPr/>
-            <p:nvPr/>
-          </p:nvSpPr>
-          <p:spPr>
-            <a:xfrm>
-              <a:off x="8469625" y="775288"/>
-              <a:ext cx="98400" cy="98700"/>
-            </a:xfrm>
-            <a:prstGeom prst="ellipse">
-              <a:avLst/>
-            </a:prstGeom>
-            <a:solidFill>
-              <a:schemeClr val="accent2"/>
-            </a:solidFill>
-            <a:ln>
-              <a:noFill/>
-            </a:ln>
-          </p:spPr>
-          <p:txBody>
-            <a:bodyPr spcFirstLastPara="1" wrap="square" lIns="91425" tIns="91425" rIns="91425" bIns="91425" anchor="ctr" anchorCtr="0">
-              <a:noAutofit/>
-            </a:bodyPr>
-            <a:lstStyle/>
-            <a:p>
-              <a:pPr marL="0" lvl="0" indent="0" algn="l" rtl="0">
-                <a:spcBef>
-                  <a:spcPts val="0"/>
-                </a:spcBef>
-                <a:spcAft>
-                  <a:spcPts val="0"/>
-                </a:spcAft>
-                <a:buNone/>
-              </a:pPr>
-              <a:endParaRPr sz="2400" dirty="0"/>
-            </a:p>
-          </p:txBody>
-        </p:sp>
-        <p:sp>
-          <p:nvSpPr>
-            <p:cNvPr id="60" name="Google Shape;60;p4"/>
-            <p:cNvSpPr/>
-            <p:nvPr/>
-          </p:nvSpPr>
-          <p:spPr>
-            <a:xfrm>
-              <a:off x="8942775" y="1523163"/>
-              <a:ext cx="98400" cy="98700"/>
-            </a:xfrm>
-            <a:prstGeom prst="ellipse">
-              <a:avLst/>
-            </a:prstGeom>
-            <a:solidFill>
-              <a:schemeClr val="dk1"/>
-            </a:solidFill>
-            <a:ln>
-              <a:noFill/>
-            </a:ln>
-          </p:spPr>
-          <p:txBody>
-            <a:bodyPr spcFirstLastPara="1" wrap="square" lIns="91425" tIns="91425" rIns="91425" bIns="91425" anchor="ctr" anchorCtr="0">
-              <a:noAutofit/>
-            </a:bodyPr>
-            <a:lstStyle/>
-            <a:p>
-              <a:pPr marL="0" lvl="0" indent="0" algn="l" rtl="0">
-                <a:spcBef>
-                  <a:spcPts val="0"/>
-                </a:spcBef>
-                <a:spcAft>
-                  <a:spcPts val="0"/>
-                </a:spcAft>
-                <a:buNone/>
-              </a:pPr>
-              <a:endParaRPr sz="2400" dirty="0"/>
-            </a:p>
-          </p:txBody>
-        </p:sp>
-      </p:grpSp>
-    </p:spTree>
-    <p:extLst>
-      <p:ext uri="{BB962C8B-B14F-4D97-AF65-F5344CB8AC3E}">
-        <p14:creationId xmlns:p14="http://schemas.microsoft.com/office/powerpoint/2010/main" val="3233872248"/>
-      </p:ext>
-    </p:extLst>
-  </p:cSld>
-  <p:clrMapOvr>
-    <a:masterClrMapping/>
-  </p:clrMapOvr>
-</p:sldLayout>
-</file>
-
-<file path=ppt/slideLayouts/slideLayout13.xml><?xml version="1.0" encoding="utf-8"?>
-<p:sldLayout xmlns:a="http://schemas.openxmlformats.org/drawingml/2006/main" xmlns:r="http://schemas.openxmlformats.org/officeDocument/2006/relationships" xmlns:p="http://schemas.openxmlformats.org/presentationml/2006/main" matchingName="One column text">
-  <p:cSld name="One column text">
-    <p:spTree>
-      <p:nvGrpSpPr>
-        <p:cNvPr id="1" name="Shape 88"/>
-        <p:cNvGrpSpPr/>
-        <p:nvPr/>
-      </p:nvGrpSpPr>
-      <p:grpSpPr>
-        <a:xfrm>
-          <a:off x="0" y="0"/>
-          <a:ext cx="0" cy="0"/>
-          <a:chOff x="0" y="0"/>
-          <a:chExt cx="0" cy="0"/>
-        </a:xfrm>
-      </p:grpSpPr>
-      <p:sp>
-        <p:nvSpPr>
-          <p:cNvPr id="89" name="Google Shape;89;p7"/>
-          <p:cNvSpPr txBox="1">
-            <a:spLocks noGrp="1"/>
-          </p:cNvSpPr>
-          <p:nvPr>
-            <p:ph type="title"/>
-          </p:nvPr>
-        </p:nvSpPr>
-        <p:spPr>
-          <a:xfrm>
-            <a:off x="638600" y="2563933"/>
-            <a:ext cx="6480000" cy="1096400"/>
-          </a:xfrm>
-          <a:prstGeom prst="rect">
-            <a:avLst/>
-          </a:prstGeom>
-        </p:spPr>
-        <p:txBody>
-          <a:bodyPr spcFirstLastPara="1" wrap="square" lIns="91425" tIns="91425" rIns="91425" bIns="91425" anchor="ctr" anchorCtr="0">
-            <a:noAutofit/>
-          </a:bodyPr>
-          <a:lstStyle>
-            <a:lvl1pPr lvl="0" algn="l" rtl="0">
-              <a:spcBef>
-                <a:spcPts val="0"/>
-              </a:spcBef>
-              <a:spcAft>
-                <a:spcPts val="0"/>
-              </a:spcAft>
-              <a:buSzPts val="3600"/>
-              <a:buNone/>
-              <a:defRPr sz="8000"/>
-            </a:lvl1pPr>
-            <a:lvl2pPr lvl="1" rtl="0">
-              <a:spcBef>
-                <a:spcPts val="0"/>
-              </a:spcBef>
-              <a:spcAft>
-                <a:spcPts val="0"/>
-              </a:spcAft>
-              <a:buSzPts val="3600"/>
-              <a:buNone/>
-              <a:defRPr sz="4800"/>
-            </a:lvl2pPr>
-            <a:lvl3pPr lvl="2" rtl="0">
-              <a:spcBef>
-                <a:spcPts val="0"/>
-              </a:spcBef>
-              <a:spcAft>
-                <a:spcPts val="0"/>
-              </a:spcAft>
-              <a:buSzPts val="3600"/>
-              <a:buNone/>
-              <a:defRPr sz="4800"/>
-            </a:lvl3pPr>
-            <a:lvl4pPr lvl="3" rtl="0">
-              <a:spcBef>
-                <a:spcPts val="0"/>
-              </a:spcBef>
-              <a:spcAft>
-                <a:spcPts val="0"/>
-              </a:spcAft>
-              <a:buSzPts val="3600"/>
-              <a:buNone/>
-              <a:defRPr sz="4800"/>
-            </a:lvl4pPr>
-            <a:lvl5pPr lvl="4" rtl="0">
-              <a:spcBef>
-                <a:spcPts val="0"/>
-              </a:spcBef>
-              <a:spcAft>
-                <a:spcPts val="0"/>
-              </a:spcAft>
-              <a:buSzPts val="3600"/>
-              <a:buNone/>
-              <a:defRPr sz="4800"/>
-            </a:lvl5pPr>
-            <a:lvl6pPr lvl="5" rtl="0">
-              <a:spcBef>
-                <a:spcPts val="0"/>
-              </a:spcBef>
-              <a:spcAft>
-                <a:spcPts val="0"/>
-              </a:spcAft>
-              <a:buSzPts val="3600"/>
-              <a:buNone/>
-              <a:defRPr sz="4800"/>
-            </a:lvl6pPr>
-            <a:lvl7pPr lvl="6" rtl="0">
-              <a:spcBef>
-                <a:spcPts val="0"/>
-              </a:spcBef>
-              <a:spcAft>
-                <a:spcPts val="0"/>
-              </a:spcAft>
-              <a:buSzPts val="3600"/>
-              <a:buNone/>
-              <a:defRPr sz="4800"/>
-            </a:lvl7pPr>
-            <a:lvl8pPr lvl="7" rtl="0">
-              <a:spcBef>
-                <a:spcPts val="0"/>
-              </a:spcBef>
-              <a:spcAft>
-                <a:spcPts val="0"/>
-              </a:spcAft>
-              <a:buSzPts val="3600"/>
-              <a:buNone/>
-              <a:defRPr sz="4800"/>
-            </a:lvl8pPr>
-            <a:lvl9pPr lvl="8" rtl="0">
-              <a:spcBef>
-                <a:spcPts val="0"/>
-              </a:spcBef>
-              <a:spcAft>
-                <a:spcPts val="0"/>
-              </a:spcAft>
-              <a:buSzPts val="3600"/>
-              <a:buNone/>
-              <a:defRPr sz="4800"/>
-            </a:lvl9pPr>
-          </a:lstStyle>
-          <a:p>
-            <a:endParaRPr/>
-          </a:p>
-        </p:txBody>
-      </p:sp>
-      <p:sp>
-        <p:nvSpPr>
-          <p:cNvPr id="90" name="Google Shape;90;p7"/>
-          <p:cNvSpPr txBox="1">
-            <a:spLocks noGrp="1"/>
-          </p:cNvSpPr>
-          <p:nvPr>
-            <p:ph type="subTitle" idx="1"/>
-          </p:nvPr>
-        </p:nvSpPr>
-        <p:spPr>
-          <a:xfrm>
-            <a:off x="638733" y="3676167"/>
-            <a:ext cx="6480000" cy="655600"/>
-          </a:xfrm>
-          <a:prstGeom prst="rect">
-            <a:avLst/>
-          </a:prstGeom>
-        </p:spPr>
-        <p:txBody>
-          <a:bodyPr spcFirstLastPara="1" wrap="square" lIns="91425" tIns="91425" rIns="91425" bIns="91425" anchor="ctr" anchorCtr="0">
-            <a:noAutofit/>
-          </a:bodyPr>
-          <a:lstStyle>
-            <a:lvl1pPr lvl="0" rtl="0">
-              <a:lnSpc>
-                <a:spcPct val="100000"/>
-              </a:lnSpc>
-              <a:spcBef>
-                <a:spcPts val="0"/>
-              </a:spcBef>
-              <a:spcAft>
-                <a:spcPts val="0"/>
-              </a:spcAft>
-              <a:buSzPts val="1800"/>
-              <a:buNone/>
-              <a:defRPr sz="2133">
-                <a:solidFill>
-                  <a:schemeClr val="dk1"/>
-                </a:solidFill>
-              </a:defRPr>
-            </a:lvl1pPr>
-            <a:lvl2pPr lvl="1" rtl="0">
-              <a:spcBef>
-                <a:spcPts val="0"/>
-              </a:spcBef>
-              <a:spcAft>
-                <a:spcPts val="0"/>
-              </a:spcAft>
-              <a:buSzPts val="1400"/>
-              <a:buNone/>
-              <a:defRPr/>
-            </a:lvl2pPr>
-            <a:lvl3pPr lvl="2" rtl="0">
-              <a:spcBef>
-                <a:spcPts val="2133"/>
-              </a:spcBef>
-              <a:spcAft>
-                <a:spcPts val="0"/>
-              </a:spcAft>
-              <a:buSzPts val="1400"/>
-              <a:buNone/>
-              <a:defRPr/>
-            </a:lvl3pPr>
-            <a:lvl4pPr lvl="3" rtl="0">
-              <a:spcBef>
-                <a:spcPts val="2133"/>
-              </a:spcBef>
-              <a:spcAft>
-                <a:spcPts val="0"/>
-              </a:spcAft>
-              <a:buSzPts val="1400"/>
-              <a:buNone/>
-              <a:defRPr/>
-            </a:lvl4pPr>
-            <a:lvl5pPr lvl="4" rtl="0">
-              <a:spcBef>
-                <a:spcPts val="2133"/>
-              </a:spcBef>
-              <a:spcAft>
-                <a:spcPts val="0"/>
-              </a:spcAft>
-              <a:buSzPts val="1400"/>
-              <a:buNone/>
-              <a:defRPr/>
-            </a:lvl5pPr>
-            <a:lvl6pPr lvl="5" rtl="0">
-              <a:spcBef>
-                <a:spcPts val="2133"/>
-              </a:spcBef>
-              <a:spcAft>
-                <a:spcPts val="0"/>
-              </a:spcAft>
-              <a:buSzPts val="1400"/>
-              <a:buNone/>
-              <a:defRPr/>
-            </a:lvl6pPr>
-            <a:lvl7pPr lvl="6" rtl="0">
-              <a:spcBef>
-                <a:spcPts val="2133"/>
-              </a:spcBef>
-              <a:spcAft>
-                <a:spcPts val="0"/>
-              </a:spcAft>
-              <a:buSzPts val="1400"/>
-              <a:buNone/>
-              <a:defRPr/>
-            </a:lvl7pPr>
-            <a:lvl8pPr lvl="7" rtl="0">
-              <a:spcBef>
-                <a:spcPts val="2133"/>
-              </a:spcBef>
-              <a:spcAft>
-                <a:spcPts val="0"/>
-              </a:spcAft>
-              <a:buSzPts val="1400"/>
-              <a:buNone/>
-              <a:defRPr/>
-            </a:lvl8pPr>
-            <a:lvl9pPr lvl="8" rtl="0">
-              <a:spcBef>
-                <a:spcPts val="2133"/>
-              </a:spcBef>
-              <a:spcAft>
-                <a:spcPts val="2133"/>
-              </a:spcAft>
-              <a:buSzPts val="1400"/>
-              <a:buNone/>
-              <a:defRPr/>
-            </a:lvl9pPr>
-          </a:lstStyle>
-          <a:p>
-            <a:endParaRPr/>
-          </a:p>
-        </p:txBody>
-      </p:sp>
-      <p:sp>
-        <p:nvSpPr>
-          <p:cNvPr id="91" name="Google Shape;91;p7"/>
-          <p:cNvSpPr/>
-          <p:nvPr/>
-        </p:nvSpPr>
-        <p:spPr>
-          <a:xfrm rot="-10667561">
-            <a:off x="407828" y="5861780"/>
-            <a:ext cx="6424955" cy="1041291"/>
-          </a:xfrm>
-          <a:custGeom>
-            <a:avLst/>
-            <a:gdLst/>
-            <a:ahLst/>
-            <a:cxnLst/>
-            <a:rect l="l" t="t" r="r" b="b"/>
-            <a:pathLst>
-              <a:path w="79484" h="14785" extrusionOk="0">
-                <a:moveTo>
-                  <a:pt x="64823" y="0"/>
-                </a:moveTo>
-                <a:cubicBezTo>
-                  <a:pt x="56730" y="0"/>
-                  <a:pt x="48629" y="357"/>
-                  <a:pt x="40537" y="566"/>
-                </a:cubicBezTo>
-                <a:cubicBezTo>
-                  <a:pt x="32882" y="767"/>
-                  <a:pt x="25204" y="856"/>
-                  <a:pt x="17548" y="856"/>
-                </a:cubicBezTo>
-                <a:lnTo>
-                  <a:pt x="6188" y="856"/>
-                </a:lnTo>
-                <a:cubicBezTo>
-                  <a:pt x="5806" y="856"/>
-                  <a:pt x="5327" y="841"/>
-                  <a:pt x="4808" y="841"/>
-                </a:cubicBezTo>
-                <a:cubicBezTo>
-                  <a:pt x="2720" y="841"/>
-                  <a:pt x="0" y="1085"/>
-                  <a:pt x="519" y="3534"/>
-                </a:cubicBezTo>
-                <a:cubicBezTo>
-                  <a:pt x="1166" y="6614"/>
-                  <a:pt x="4269" y="9560"/>
-                  <a:pt x="6746" y="11190"/>
-                </a:cubicBezTo>
-                <a:cubicBezTo>
-                  <a:pt x="10540" y="13712"/>
-                  <a:pt x="15160" y="14738"/>
-                  <a:pt x="19713" y="14783"/>
-                </a:cubicBezTo>
-                <a:cubicBezTo>
-                  <a:pt x="19807" y="14784"/>
-                  <a:pt x="19901" y="14784"/>
-                  <a:pt x="19995" y="14784"/>
-                </a:cubicBezTo>
-                <a:cubicBezTo>
-                  <a:pt x="22334" y="14784"/>
-                  <a:pt x="24671" y="14518"/>
-                  <a:pt x="26967" y="14024"/>
-                </a:cubicBezTo>
-                <a:cubicBezTo>
-                  <a:pt x="29891" y="13377"/>
-                  <a:pt x="32703" y="12350"/>
-                  <a:pt x="35515" y="11324"/>
-                </a:cubicBezTo>
-                <a:cubicBezTo>
-                  <a:pt x="42724" y="8712"/>
-                  <a:pt x="50045" y="6235"/>
-                  <a:pt x="57633" y="5141"/>
-                </a:cubicBezTo>
-                <a:cubicBezTo>
-                  <a:pt x="61727" y="4546"/>
-                  <a:pt x="65864" y="4360"/>
-                  <a:pt x="70011" y="4360"/>
-                </a:cubicBezTo>
-                <a:cubicBezTo>
-                  <a:pt x="73167" y="4360"/>
-                  <a:pt x="76330" y="4468"/>
-                  <a:pt x="79484" y="4583"/>
-                </a:cubicBezTo>
-                <a:cubicBezTo>
-                  <a:pt x="79461" y="3222"/>
-                  <a:pt x="79439" y="1860"/>
-                  <a:pt x="79439" y="499"/>
-                </a:cubicBezTo>
-                <a:cubicBezTo>
-                  <a:pt x="74572" y="130"/>
-                  <a:pt x="69699" y="0"/>
-                  <a:pt x="64823" y="0"/>
-                </a:cubicBezTo>
-                <a:close/>
-              </a:path>
-            </a:pathLst>
-          </a:custGeom>
-          <a:solidFill>
-            <a:schemeClr val="accent3"/>
-          </a:solidFill>
-          <a:ln>
-            <a:noFill/>
-          </a:ln>
-        </p:spPr>
-        <p:txBody>
-          <a:bodyPr spcFirstLastPara="1" wrap="square" lIns="121900" tIns="121900" rIns="121900" bIns="121900" anchor="ctr" anchorCtr="0">
-            <a:noAutofit/>
-          </a:bodyPr>
-          <a:lstStyle/>
-          <a:p>
-            <a:pPr marL="0" lvl="0" indent="0" algn="l" rtl="0">
-              <a:spcBef>
-                <a:spcPts val="0"/>
-              </a:spcBef>
-              <a:spcAft>
-                <a:spcPts val="0"/>
-              </a:spcAft>
-              <a:buNone/>
-            </a:pPr>
-            <a:endParaRPr sz="2400" dirty="0"/>
-          </a:p>
-        </p:txBody>
-      </p:sp>
-      <p:sp>
-        <p:nvSpPr>
-          <p:cNvPr id="92" name="Google Shape;92;p7"/>
-          <p:cNvSpPr/>
-          <p:nvPr/>
-        </p:nvSpPr>
-        <p:spPr>
-          <a:xfrm rot="10800000">
-            <a:off x="536613" y="5738129"/>
-            <a:ext cx="3191505" cy="1288619"/>
-          </a:xfrm>
-          <a:custGeom>
-            <a:avLst/>
-            <a:gdLst/>
-            <a:ahLst/>
-            <a:cxnLst/>
-            <a:rect l="l" t="t" r="r" b="b"/>
-            <a:pathLst>
-              <a:path w="72716" h="43165" extrusionOk="0">
-                <a:moveTo>
-                  <a:pt x="36506" y="1"/>
-                </a:moveTo>
-                <a:cubicBezTo>
-                  <a:pt x="24983" y="1"/>
-                  <a:pt x="13559" y="1174"/>
-                  <a:pt x="0" y="3973"/>
-                </a:cubicBezTo>
-                <a:cubicBezTo>
-                  <a:pt x="982" y="6629"/>
-                  <a:pt x="1205" y="12052"/>
-                  <a:pt x="1853" y="14262"/>
-                </a:cubicBezTo>
-                <a:cubicBezTo>
-                  <a:pt x="3259" y="19194"/>
-                  <a:pt x="12610" y="30220"/>
-                  <a:pt x="23859" y="33077"/>
-                </a:cubicBezTo>
-                <a:cubicBezTo>
-                  <a:pt x="25907" y="33596"/>
-                  <a:pt x="27823" y="33808"/>
-                  <a:pt x="29631" y="33808"/>
-                </a:cubicBezTo>
-                <a:cubicBezTo>
-                  <a:pt x="37728" y="33808"/>
-                  <a:pt x="43662" y="29551"/>
-                  <a:pt x="49622" y="29551"/>
-                </a:cubicBezTo>
-                <a:cubicBezTo>
-                  <a:pt x="50569" y="29551"/>
-                  <a:pt x="51516" y="29659"/>
-                  <a:pt x="52472" y="29907"/>
-                </a:cubicBezTo>
-                <a:cubicBezTo>
-                  <a:pt x="60284" y="31938"/>
-                  <a:pt x="55507" y="42049"/>
-                  <a:pt x="72715" y="43165"/>
-                </a:cubicBezTo>
-                <a:cubicBezTo>
-                  <a:pt x="70483" y="29863"/>
-                  <a:pt x="71086" y="16270"/>
-                  <a:pt x="71689" y="2812"/>
-                </a:cubicBezTo>
-                <a:cubicBezTo>
-                  <a:pt x="58580" y="1069"/>
-                  <a:pt x="47498" y="1"/>
-                  <a:pt x="36506" y="1"/>
-                </a:cubicBezTo>
-                <a:close/>
-              </a:path>
-            </a:pathLst>
-          </a:custGeom>
-          <a:solidFill>
-            <a:schemeClr val="lt2"/>
-          </a:solidFill>
-          <a:ln>
-            <a:noFill/>
-          </a:ln>
-        </p:spPr>
-        <p:txBody>
-          <a:bodyPr spcFirstLastPara="1" wrap="square" lIns="121900" tIns="121900" rIns="121900" bIns="121900" anchor="ctr" anchorCtr="0">
-            <a:noAutofit/>
-          </a:bodyPr>
-          <a:lstStyle/>
-          <a:p>
-            <a:pPr marL="0" lvl="0" indent="0" algn="l" rtl="0">
-              <a:spcBef>
-                <a:spcPts val="0"/>
-              </a:spcBef>
-              <a:spcAft>
-                <a:spcPts val="0"/>
-              </a:spcAft>
-              <a:buNone/>
-            </a:pPr>
-            <a:endParaRPr sz="2400" dirty="0"/>
-          </a:p>
-        </p:txBody>
-      </p:sp>
-      <p:sp>
-        <p:nvSpPr>
-          <p:cNvPr id="93" name="Google Shape;93;p7"/>
-          <p:cNvSpPr/>
-          <p:nvPr/>
-        </p:nvSpPr>
-        <p:spPr>
-          <a:xfrm>
-            <a:off x="-362816" y="5545483"/>
-            <a:ext cx="2795864" cy="1318869"/>
-          </a:xfrm>
-          <a:custGeom>
-            <a:avLst/>
-            <a:gdLst/>
-            <a:ahLst/>
-            <a:cxnLst/>
-            <a:rect l="l" t="t" r="r" b="b"/>
-            <a:pathLst>
-              <a:path w="143993" h="61524" extrusionOk="0">
-                <a:moveTo>
-                  <a:pt x="25900" y="1"/>
-                </a:moveTo>
-                <a:cubicBezTo>
-                  <a:pt x="11671" y="1"/>
-                  <a:pt x="1" y="8596"/>
-                  <a:pt x="1" y="8596"/>
-                </a:cubicBezTo>
-                <a:lnTo>
-                  <a:pt x="186" y="61523"/>
-                </a:lnTo>
-                <a:lnTo>
-                  <a:pt x="143993" y="61523"/>
-                </a:lnTo>
-                <a:cubicBezTo>
-                  <a:pt x="138074" y="43327"/>
-                  <a:pt x="128448" y="39288"/>
-                  <a:pt x="117124" y="39288"/>
-                </a:cubicBezTo>
-                <a:cubicBezTo>
-                  <a:pt x="108085" y="39288"/>
-                  <a:pt x="97965" y="41861"/>
-                  <a:pt x="87783" y="41861"/>
-                </a:cubicBezTo>
-                <a:cubicBezTo>
-                  <a:pt x="83897" y="41861"/>
-                  <a:pt x="80003" y="41486"/>
-                  <a:pt x="76156" y="40451"/>
-                </a:cubicBezTo>
-                <a:cubicBezTo>
-                  <a:pt x="58842" y="35830"/>
-                  <a:pt x="64326" y="18763"/>
-                  <a:pt x="43685" y="5269"/>
-                </a:cubicBezTo>
-                <a:cubicBezTo>
-                  <a:pt x="37737" y="1386"/>
-                  <a:pt x="31612" y="1"/>
-                  <a:pt x="25900" y="1"/>
-                </a:cubicBezTo>
-                <a:close/>
-              </a:path>
-            </a:pathLst>
-          </a:custGeom>
-          <a:solidFill>
-            <a:schemeClr val="dk2"/>
-          </a:solidFill>
-          <a:ln>
-            <a:noFill/>
-          </a:ln>
-        </p:spPr>
-        <p:txBody>
-          <a:bodyPr spcFirstLastPara="1" wrap="square" lIns="121900" tIns="121900" rIns="121900" bIns="121900" anchor="ctr" anchorCtr="0">
-            <a:noAutofit/>
-          </a:bodyPr>
-          <a:lstStyle/>
-          <a:p>
-            <a:pPr marL="0" lvl="0" indent="0" algn="l" rtl="0">
-              <a:spcBef>
-                <a:spcPts val="0"/>
-              </a:spcBef>
-              <a:spcAft>
-                <a:spcPts val="0"/>
-              </a:spcAft>
-              <a:buNone/>
-            </a:pPr>
-            <a:endParaRPr sz="2400" dirty="0"/>
-          </a:p>
-        </p:txBody>
-      </p:sp>
-      <p:sp>
-        <p:nvSpPr>
-          <p:cNvPr id="94" name="Google Shape;94;p7"/>
-          <p:cNvSpPr/>
-          <p:nvPr/>
-        </p:nvSpPr>
-        <p:spPr>
-          <a:xfrm>
-            <a:off x="6995568" y="6427699"/>
-            <a:ext cx="218000" cy="218000"/>
-          </a:xfrm>
-          <a:prstGeom prst="ellipse">
-            <a:avLst/>
-          </a:prstGeom>
-          <a:solidFill>
-            <a:schemeClr val="dk2"/>
-          </a:solidFill>
-          <a:ln>
-            <a:noFill/>
-          </a:ln>
-        </p:spPr>
-        <p:txBody>
-          <a:bodyPr spcFirstLastPara="1" wrap="square" lIns="121900" tIns="121900" rIns="121900" bIns="121900" anchor="ctr" anchorCtr="0">
-            <a:noAutofit/>
-          </a:bodyPr>
-          <a:lstStyle/>
-          <a:p>
-            <a:pPr marL="0" lvl="0" indent="0" algn="l" rtl="0">
-              <a:spcBef>
-                <a:spcPts val="0"/>
-              </a:spcBef>
-              <a:spcAft>
-                <a:spcPts val="0"/>
-              </a:spcAft>
-              <a:buNone/>
-            </a:pPr>
-            <a:endParaRPr sz="2400" dirty="0"/>
-          </a:p>
-        </p:txBody>
-      </p:sp>
-      <p:sp>
-        <p:nvSpPr>
-          <p:cNvPr id="95" name="Google Shape;95;p7"/>
-          <p:cNvSpPr/>
-          <p:nvPr/>
-        </p:nvSpPr>
-        <p:spPr>
-          <a:xfrm>
-            <a:off x="536601" y="5269599"/>
-            <a:ext cx="131200" cy="131600"/>
-          </a:xfrm>
-          <a:prstGeom prst="ellipse">
-            <a:avLst/>
-          </a:prstGeom>
-          <a:solidFill>
-            <a:schemeClr val="dk2"/>
-          </a:solidFill>
-          <a:ln>
-            <a:noFill/>
-          </a:ln>
-        </p:spPr>
-        <p:txBody>
-          <a:bodyPr spcFirstLastPara="1" wrap="square" lIns="121900" tIns="121900" rIns="121900" bIns="121900" anchor="ctr" anchorCtr="0">
-            <a:noAutofit/>
-          </a:bodyPr>
-          <a:lstStyle/>
-          <a:p>
-            <a:pPr marL="0" lvl="0" indent="0" algn="l" rtl="0">
-              <a:spcBef>
-                <a:spcPts val="0"/>
-              </a:spcBef>
-              <a:spcAft>
-                <a:spcPts val="0"/>
-              </a:spcAft>
-              <a:buNone/>
-            </a:pPr>
-            <a:endParaRPr sz="2400" dirty="0"/>
-          </a:p>
-        </p:txBody>
-      </p:sp>
-      <p:sp>
-        <p:nvSpPr>
-          <p:cNvPr id="96" name="Google Shape;96;p7"/>
-          <p:cNvSpPr/>
-          <p:nvPr/>
-        </p:nvSpPr>
-        <p:spPr>
-          <a:xfrm>
-            <a:off x="1537401" y="5854165"/>
-            <a:ext cx="131200" cy="131600"/>
-          </a:xfrm>
-          <a:prstGeom prst="ellipse">
-            <a:avLst/>
-          </a:prstGeom>
-          <a:solidFill>
-            <a:schemeClr val="accent2"/>
-          </a:solidFill>
-          <a:ln>
-            <a:noFill/>
-          </a:ln>
-        </p:spPr>
-        <p:txBody>
-          <a:bodyPr spcFirstLastPara="1" wrap="square" lIns="121900" tIns="121900" rIns="121900" bIns="121900" anchor="ctr" anchorCtr="0">
-            <a:noAutofit/>
-          </a:bodyPr>
-          <a:lstStyle/>
-          <a:p>
-            <a:pPr marL="0" lvl="0" indent="0" algn="l" rtl="0">
-              <a:spcBef>
-                <a:spcPts val="0"/>
-              </a:spcBef>
-              <a:spcAft>
-                <a:spcPts val="0"/>
-              </a:spcAft>
-              <a:buNone/>
-            </a:pPr>
-            <a:endParaRPr sz="2400" dirty="0"/>
-          </a:p>
-        </p:txBody>
-      </p:sp>
-      <p:sp>
-        <p:nvSpPr>
-          <p:cNvPr id="97" name="Google Shape;97;p7"/>
-          <p:cNvSpPr/>
-          <p:nvPr/>
-        </p:nvSpPr>
-        <p:spPr>
-          <a:xfrm>
-            <a:off x="3813001" y="6316632"/>
-            <a:ext cx="131200" cy="131600"/>
-          </a:xfrm>
-          <a:prstGeom prst="ellipse">
-            <a:avLst/>
-          </a:prstGeom>
-          <a:solidFill>
-            <a:schemeClr val="dk1"/>
-          </a:solidFill>
-          <a:ln>
-            <a:noFill/>
-          </a:ln>
-        </p:spPr>
-        <p:txBody>
-          <a:bodyPr spcFirstLastPara="1" wrap="square" lIns="121900" tIns="121900" rIns="121900" bIns="121900" anchor="ctr" anchorCtr="0">
-            <a:noAutofit/>
-          </a:bodyPr>
-          <a:lstStyle/>
-          <a:p>
-            <a:pPr marL="0" lvl="0" indent="0" algn="l" rtl="0">
-              <a:spcBef>
-                <a:spcPts val="0"/>
-              </a:spcBef>
-              <a:spcAft>
-                <a:spcPts val="0"/>
-              </a:spcAft>
-              <a:buNone/>
-            </a:pPr>
-            <a:endParaRPr sz="2400" dirty="0"/>
-          </a:p>
-        </p:txBody>
-      </p:sp>
-      <p:sp>
-        <p:nvSpPr>
-          <p:cNvPr id="98" name="Google Shape;98;p7"/>
-          <p:cNvSpPr/>
-          <p:nvPr/>
-        </p:nvSpPr>
-        <p:spPr>
-          <a:xfrm rot="-132439" flipH="1">
-            <a:off x="407828" y="-53222"/>
-            <a:ext cx="6424955" cy="1041291"/>
-          </a:xfrm>
-          <a:custGeom>
-            <a:avLst/>
-            <a:gdLst/>
-            <a:ahLst/>
-            <a:cxnLst/>
-            <a:rect l="l" t="t" r="r" b="b"/>
-            <a:pathLst>
-              <a:path w="79484" h="14785" extrusionOk="0">
-                <a:moveTo>
-                  <a:pt x="64823" y="0"/>
-                </a:moveTo>
-                <a:cubicBezTo>
-                  <a:pt x="56730" y="0"/>
-                  <a:pt x="48629" y="357"/>
-                  <a:pt x="40537" y="566"/>
-                </a:cubicBezTo>
-                <a:cubicBezTo>
-                  <a:pt x="32882" y="767"/>
-                  <a:pt x="25204" y="856"/>
-                  <a:pt x="17548" y="856"/>
-                </a:cubicBezTo>
-                <a:lnTo>
-                  <a:pt x="6188" y="856"/>
-                </a:lnTo>
-                <a:cubicBezTo>
-                  <a:pt x="5806" y="856"/>
-                  <a:pt x="5327" y="841"/>
-                  <a:pt x="4808" y="841"/>
-                </a:cubicBezTo>
-                <a:cubicBezTo>
-                  <a:pt x="2720" y="841"/>
-                  <a:pt x="0" y="1085"/>
-                  <a:pt x="519" y="3534"/>
-                </a:cubicBezTo>
-                <a:cubicBezTo>
-                  <a:pt x="1166" y="6614"/>
-                  <a:pt x="4269" y="9560"/>
-                  <a:pt x="6746" y="11190"/>
-                </a:cubicBezTo>
-                <a:cubicBezTo>
-                  <a:pt x="10540" y="13712"/>
-                  <a:pt x="15160" y="14738"/>
-                  <a:pt x="19713" y="14783"/>
-                </a:cubicBezTo>
-                <a:cubicBezTo>
-                  <a:pt x="19807" y="14784"/>
-                  <a:pt x="19901" y="14784"/>
-                  <a:pt x="19995" y="14784"/>
-                </a:cubicBezTo>
-                <a:cubicBezTo>
-                  <a:pt x="22334" y="14784"/>
-                  <a:pt x="24671" y="14518"/>
-                  <a:pt x="26967" y="14024"/>
-                </a:cubicBezTo>
-                <a:cubicBezTo>
-                  <a:pt x="29891" y="13377"/>
-                  <a:pt x="32703" y="12350"/>
-                  <a:pt x="35515" y="11324"/>
-                </a:cubicBezTo>
-                <a:cubicBezTo>
-                  <a:pt x="42724" y="8712"/>
-                  <a:pt x="50045" y="6235"/>
-                  <a:pt x="57633" y="5141"/>
-                </a:cubicBezTo>
-                <a:cubicBezTo>
-                  <a:pt x="61727" y="4546"/>
-                  <a:pt x="65864" y="4360"/>
-                  <a:pt x="70011" y="4360"/>
-                </a:cubicBezTo>
-                <a:cubicBezTo>
-                  <a:pt x="73167" y="4360"/>
-                  <a:pt x="76330" y="4468"/>
-                  <a:pt x="79484" y="4583"/>
-                </a:cubicBezTo>
-                <a:cubicBezTo>
-                  <a:pt x="79461" y="3222"/>
-                  <a:pt x="79439" y="1860"/>
-                  <a:pt x="79439" y="499"/>
-                </a:cubicBezTo>
-                <a:cubicBezTo>
-                  <a:pt x="74572" y="130"/>
-                  <a:pt x="69699" y="0"/>
-                  <a:pt x="64823" y="0"/>
-                </a:cubicBezTo>
-                <a:close/>
-              </a:path>
-            </a:pathLst>
-          </a:custGeom>
-          <a:solidFill>
-            <a:schemeClr val="accent3"/>
-          </a:solidFill>
-          <a:ln>
-            <a:noFill/>
-          </a:ln>
-        </p:spPr>
-        <p:txBody>
-          <a:bodyPr spcFirstLastPara="1" wrap="square" lIns="121900" tIns="121900" rIns="121900" bIns="121900" anchor="ctr" anchorCtr="0">
-            <a:noAutofit/>
-          </a:bodyPr>
-          <a:lstStyle/>
-          <a:p>
-            <a:pPr marL="0" lvl="0" indent="0" algn="l" rtl="0">
-              <a:spcBef>
-                <a:spcPts val="0"/>
-              </a:spcBef>
-              <a:spcAft>
-                <a:spcPts val="0"/>
-              </a:spcAft>
-              <a:buNone/>
-            </a:pPr>
-            <a:endParaRPr sz="2400" dirty="0"/>
-          </a:p>
-        </p:txBody>
-      </p:sp>
-      <p:sp>
-        <p:nvSpPr>
-          <p:cNvPr id="99" name="Google Shape;99;p7"/>
-          <p:cNvSpPr/>
-          <p:nvPr/>
-        </p:nvSpPr>
-        <p:spPr>
-          <a:xfrm flipH="1">
-            <a:off x="536613" y="-176902"/>
-            <a:ext cx="3191505" cy="1288619"/>
-          </a:xfrm>
-          <a:custGeom>
-            <a:avLst/>
-            <a:gdLst/>
-            <a:ahLst/>
-            <a:cxnLst/>
-            <a:rect l="l" t="t" r="r" b="b"/>
-            <a:pathLst>
-              <a:path w="72716" h="43165" extrusionOk="0">
-                <a:moveTo>
-                  <a:pt x="36506" y="1"/>
-                </a:moveTo>
-                <a:cubicBezTo>
-                  <a:pt x="24983" y="1"/>
-                  <a:pt x="13559" y="1174"/>
-                  <a:pt x="0" y="3973"/>
-                </a:cubicBezTo>
-                <a:cubicBezTo>
-                  <a:pt x="982" y="6629"/>
-                  <a:pt x="1205" y="12052"/>
-                  <a:pt x="1853" y="14262"/>
-                </a:cubicBezTo>
-                <a:cubicBezTo>
-                  <a:pt x="3259" y="19194"/>
-                  <a:pt x="12610" y="30220"/>
-                  <a:pt x="23859" y="33077"/>
-                </a:cubicBezTo>
-                <a:cubicBezTo>
-                  <a:pt x="25907" y="33596"/>
-                  <a:pt x="27823" y="33808"/>
-                  <a:pt x="29631" y="33808"/>
-                </a:cubicBezTo>
-                <a:cubicBezTo>
-                  <a:pt x="37728" y="33808"/>
-                  <a:pt x="43662" y="29551"/>
-                  <a:pt x="49622" y="29551"/>
-                </a:cubicBezTo>
-                <a:cubicBezTo>
-                  <a:pt x="50569" y="29551"/>
-                  <a:pt x="51516" y="29659"/>
-                  <a:pt x="52472" y="29907"/>
-                </a:cubicBezTo>
-                <a:cubicBezTo>
-                  <a:pt x="60284" y="31938"/>
-                  <a:pt x="55507" y="42049"/>
-                  <a:pt x="72715" y="43165"/>
-                </a:cubicBezTo>
-                <a:cubicBezTo>
-                  <a:pt x="70483" y="29863"/>
-                  <a:pt x="71086" y="16270"/>
-                  <a:pt x="71689" y="2812"/>
-                </a:cubicBezTo>
-                <a:cubicBezTo>
-                  <a:pt x="58580" y="1069"/>
-                  <a:pt x="47498" y="1"/>
-                  <a:pt x="36506" y="1"/>
-                </a:cubicBezTo>
-                <a:close/>
-              </a:path>
-            </a:pathLst>
-          </a:custGeom>
-          <a:solidFill>
-            <a:schemeClr val="lt2"/>
-          </a:solidFill>
-          <a:ln>
-            <a:noFill/>
-          </a:ln>
-        </p:spPr>
-        <p:txBody>
-          <a:bodyPr spcFirstLastPara="1" wrap="square" lIns="121900" tIns="121900" rIns="121900" bIns="121900" anchor="ctr" anchorCtr="0">
-            <a:noAutofit/>
-          </a:bodyPr>
-          <a:lstStyle/>
-          <a:p>
-            <a:pPr marL="0" lvl="0" indent="0" algn="l" rtl="0">
-              <a:spcBef>
-                <a:spcPts val="0"/>
-              </a:spcBef>
-              <a:spcAft>
-                <a:spcPts val="0"/>
-              </a:spcAft>
-              <a:buNone/>
-            </a:pPr>
-            <a:endParaRPr sz="2400" dirty="0"/>
-          </a:p>
-        </p:txBody>
-      </p:sp>
-      <p:sp>
-        <p:nvSpPr>
-          <p:cNvPr id="100" name="Google Shape;100;p7"/>
-          <p:cNvSpPr/>
-          <p:nvPr/>
-        </p:nvSpPr>
-        <p:spPr>
-          <a:xfrm rot="10800000" flipH="1">
-            <a:off x="-362816" y="-14504"/>
-            <a:ext cx="2795864" cy="1318869"/>
-          </a:xfrm>
-          <a:custGeom>
-            <a:avLst/>
-            <a:gdLst/>
-            <a:ahLst/>
-            <a:cxnLst/>
-            <a:rect l="l" t="t" r="r" b="b"/>
-            <a:pathLst>
-              <a:path w="143993" h="61524" extrusionOk="0">
-                <a:moveTo>
-                  <a:pt x="25900" y="1"/>
-                </a:moveTo>
-                <a:cubicBezTo>
-                  <a:pt x="11671" y="1"/>
-                  <a:pt x="1" y="8596"/>
-                  <a:pt x="1" y="8596"/>
-                </a:cubicBezTo>
-                <a:lnTo>
-                  <a:pt x="186" y="61523"/>
-                </a:lnTo>
-                <a:lnTo>
-                  <a:pt x="143993" y="61523"/>
-                </a:lnTo>
-                <a:cubicBezTo>
-                  <a:pt x="138074" y="43327"/>
-                  <a:pt x="128448" y="39288"/>
-                  <a:pt x="117124" y="39288"/>
-                </a:cubicBezTo>
-                <a:cubicBezTo>
-                  <a:pt x="108085" y="39288"/>
-                  <a:pt x="97965" y="41861"/>
-                  <a:pt x="87783" y="41861"/>
-                </a:cubicBezTo>
-                <a:cubicBezTo>
-                  <a:pt x="83897" y="41861"/>
-                  <a:pt x="80003" y="41486"/>
-                  <a:pt x="76156" y="40451"/>
-                </a:cubicBezTo>
-                <a:cubicBezTo>
-                  <a:pt x="58842" y="35830"/>
-                  <a:pt x="64326" y="18763"/>
-                  <a:pt x="43685" y="5269"/>
-                </a:cubicBezTo>
-                <a:cubicBezTo>
-                  <a:pt x="37737" y="1386"/>
-                  <a:pt x="31612" y="1"/>
-                  <a:pt x="25900" y="1"/>
-                </a:cubicBezTo>
-                <a:close/>
-              </a:path>
-            </a:pathLst>
-          </a:custGeom>
-          <a:solidFill>
-            <a:schemeClr val="dk2"/>
-          </a:solidFill>
-          <a:ln>
-            <a:noFill/>
-          </a:ln>
-        </p:spPr>
-        <p:txBody>
-          <a:bodyPr spcFirstLastPara="1" wrap="square" lIns="121900" tIns="121900" rIns="121900" bIns="121900" anchor="ctr" anchorCtr="0">
-            <a:noAutofit/>
-          </a:bodyPr>
-          <a:lstStyle/>
-          <a:p>
-            <a:pPr marL="0" lvl="0" indent="0" algn="l" rtl="0">
-              <a:spcBef>
-                <a:spcPts val="0"/>
-              </a:spcBef>
-              <a:spcAft>
-                <a:spcPts val="0"/>
-              </a:spcAft>
-              <a:buNone/>
-            </a:pPr>
-            <a:endParaRPr sz="2400" dirty="0"/>
-          </a:p>
-        </p:txBody>
-      </p:sp>
-      <p:sp>
-        <p:nvSpPr>
-          <p:cNvPr id="101" name="Google Shape;101;p7"/>
-          <p:cNvSpPr/>
-          <p:nvPr/>
-        </p:nvSpPr>
-        <p:spPr>
-          <a:xfrm rot="10800000" flipH="1">
-            <a:off x="536601" y="1448649"/>
-            <a:ext cx="131200" cy="131600"/>
-          </a:xfrm>
-          <a:prstGeom prst="ellipse">
-            <a:avLst/>
-          </a:prstGeom>
-          <a:solidFill>
-            <a:schemeClr val="dk2"/>
-          </a:solidFill>
-          <a:ln>
-            <a:noFill/>
-          </a:ln>
-        </p:spPr>
-        <p:txBody>
-          <a:bodyPr spcFirstLastPara="1" wrap="square" lIns="121900" tIns="121900" rIns="121900" bIns="121900" anchor="ctr" anchorCtr="0">
-            <a:noAutofit/>
-          </a:bodyPr>
-          <a:lstStyle/>
-          <a:p>
-            <a:pPr marL="0" lvl="0" indent="0" algn="l" rtl="0">
-              <a:spcBef>
-                <a:spcPts val="0"/>
-              </a:spcBef>
-              <a:spcAft>
-                <a:spcPts val="0"/>
-              </a:spcAft>
-              <a:buNone/>
-            </a:pPr>
-            <a:endParaRPr sz="2400" dirty="0"/>
-          </a:p>
-        </p:txBody>
-      </p:sp>
-      <p:sp>
-        <p:nvSpPr>
-          <p:cNvPr id="102" name="Google Shape;102;p7"/>
-          <p:cNvSpPr/>
-          <p:nvPr/>
-        </p:nvSpPr>
-        <p:spPr>
-          <a:xfrm rot="10800000" flipH="1">
-            <a:off x="1537401" y="864083"/>
-            <a:ext cx="131200" cy="131600"/>
-          </a:xfrm>
-          <a:prstGeom prst="ellipse">
-            <a:avLst/>
-          </a:prstGeom>
-          <a:solidFill>
-            <a:schemeClr val="accent2"/>
-          </a:solidFill>
-          <a:ln>
-            <a:noFill/>
-          </a:ln>
-        </p:spPr>
-        <p:txBody>
-          <a:bodyPr spcFirstLastPara="1" wrap="square" lIns="121900" tIns="121900" rIns="121900" bIns="121900" anchor="ctr" anchorCtr="0">
-            <a:noAutofit/>
-          </a:bodyPr>
-          <a:lstStyle/>
-          <a:p>
-            <a:pPr marL="0" lvl="0" indent="0" algn="l" rtl="0">
-              <a:spcBef>
-                <a:spcPts val="0"/>
-              </a:spcBef>
-              <a:spcAft>
-                <a:spcPts val="0"/>
-              </a:spcAft>
-              <a:buNone/>
-            </a:pPr>
-            <a:endParaRPr sz="2400" dirty="0"/>
-          </a:p>
-        </p:txBody>
-      </p:sp>
-      <p:sp>
-        <p:nvSpPr>
-          <p:cNvPr id="103" name="Google Shape;103;p7"/>
-          <p:cNvSpPr/>
-          <p:nvPr/>
-        </p:nvSpPr>
-        <p:spPr>
-          <a:xfrm rot="10800000" flipH="1">
-            <a:off x="3813001" y="401616"/>
-            <a:ext cx="131200" cy="131600"/>
-          </a:xfrm>
-          <a:prstGeom prst="ellipse">
-            <a:avLst/>
-          </a:prstGeom>
-          <a:solidFill>
-            <a:schemeClr val="dk1"/>
-          </a:solidFill>
-          <a:ln>
-            <a:noFill/>
-          </a:ln>
-        </p:spPr>
-        <p:txBody>
-          <a:bodyPr spcFirstLastPara="1" wrap="square" lIns="121900" tIns="121900" rIns="121900" bIns="121900" anchor="ctr" anchorCtr="0">
-            <a:noAutofit/>
-          </a:bodyPr>
-          <a:lstStyle/>
-          <a:p>
-            <a:pPr marL="0" lvl="0" indent="0" algn="l" rtl="0">
-              <a:spcBef>
-                <a:spcPts val="0"/>
-              </a:spcBef>
-              <a:spcAft>
-                <a:spcPts val="0"/>
-              </a:spcAft>
-              <a:buNone/>
-            </a:pPr>
-            <a:endParaRPr sz="2400" dirty="0"/>
-          </a:p>
-        </p:txBody>
-      </p:sp>
-      <p:sp>
-        <p:nvSpPr>
-          <p:cNvPr id="104" name="Google Shape;104;p7"/>
-          <p:cNvSpPr/>
-          <p:nvPr/>
-        </p:nvSpPr>
-        <p:spPr>
-          <a:xfrm rot="10800000" flipH="1">
-            <a:off x="6995568" y="204149"/>
-            <a:ext cx="218000" cy="218000"/>
-          </a:xfrm>
-          <a:prstGeom prst="ellipse">
-            <a:avLst/>
-          </a:prstGeom>
-          <a:solidFill>
-            <a:schemeClr val="dk2"/>
-          </a:solidFill>
-          <a:ln>
-            <a:noFill/>
-          </a:ln>
-        </p:spPr>
-        <p:txBody>
-          <a:bodyPr spcFirstLastPara="1" wrap="square" lIns="121900" tIns="121900" rIns="121900" bIns="121900" anchor="ctr" anchorCtr="0">
-            <a:noAutofit/>
-          </a:bodyPr>
-          <a:lstStyle/>
-          <a:p>
-            <a:pPr marL="0" lvl="0" indent="0" algn="l" rtl="0">
-              <a:spcBef>
-                <a:spcPts val="0"/>
-              </a:spcBef>
-              <a:spcAft>
-                <a:spcPts val="0"/>
-              </a:spcAft>
-              <a:buNone/>
-            </a:pPr>
-            <a:endParaRPr sz="2400" dirty="0"/>
-          </a:p>
-        </p:txBody>
-      </p:sp>
-    </p:spTree>
-    <p:extLst>
-      <p:ext uri="{BB962C8B-B14F-4D97-AF65-F5344CB8AC3E}">
-        <p14:creationId xmlns:p14="http://schemas.microsoft.com/office/powerpoint/2010/main" val="4242612954"/>
-      </p:ext>
-    </p:extLst>
-  </p:cSld>
-  <p:clrMapOvr>
-    <a:masterClrMapping/>
-  </p:clrMapOvr>
-</p:sldLayout>
-</file>
-
-<file path=ppt/slideLayouts/slideLayout14.xml><?xml version="1.0" encoding="utf-8"?>
 <p:sldLayout xmlns:a="http://schemas.openxmlformats.org/drawingml/2006/main" xmlns:r="http://schemas.openxmlformats.org/officeDocument/2006/relationships" xmlns:p="http://schemas.openxmlformats.org/presentationml/2006/main" matchingName="Section title and description 1">
   <p:cSld name="Section title and description 1">
     <p:spTree>
@@ -5474,7 +2844,7 @@
 </p:sldLayout>
 </file>
 
-<file path=ppt/slideLayouts/slideLayout15.xml><?xml version="1.0" encoding="utf-8"?>
+<file path=ppt/slideLayouts/slideLayout13.xml><?xml version="1.0" encoding="utf-8"?>
 <p:sldLayout xmlns:a="http://schemas.openxmlformats.org/drawingml/2006/main" xmlns:r="http://schemas.openxmlformats.org/officeDocument/2006/relationships" xmlns:p="http://schemas.openxmlformats.org/presentationml/2006/main" matchingName="Main point">
   <p:cSld name="Main point">
     <p:spTree>
@@ -9023,10 +6393,8 @@
     <p:sldLayoutId id="2147483657" r:id="rId9"/>
     <p:sldLayoutId id="2147483658" r:id="rId10"/>
     <p:sldLayoutId id="2147483659" r:id="rId11"/>
-    <p:sldLayoutId id="2147483660" r:id="rId12"/>
-    <p:sldLayoutId id="2147483661" r:id="rId13"/>
-    <p:sldLayoutId id="2147483663" r:id="rId14"/>
-    <p:sldLayoutId id="2147483664" r:id="rId15"/>
+    <p:sldLayoutId id="2147483663" r:id="rId12"/>
+    <p:sldLayoutId id="2147483664" r:id="rId13"/>
   </p:sldLayoutIdLst>
   <p:txStyles>
     <p:titleStyle>
@@ -9340,8 +6708,8 @@
         </p:nvSpPr>
         <p:spPr>
           <a:xfrm>
-            <a:off x="371856" y="2496312"/>
-            <a:ext cx="11698224" cy="1463040"/>
+            <a:off x="0" y="2496312"/>
+            <a:ext cx="12192000" cy="1463040"/>
           </a:xfrm>
           <a:prstGeom prst="rect">
             <a:avLst/>
@@ -9353,6 +6721,7 @@
           </a:bodyPr>
           <a:lstStyle/>
           <a:p>
+            <a:pPr algn="ctr"/>
             <a:r>
               <a:rPr lang="en" sz="8000" b="1" dirty="0">
                 <a:solidFill>
@@ -9400,7 +6769,7 @@
   <p:cSld>
     <p:spTree>
       <p:nvGrpSpPr>
-        <p:cNvPr id="1" name="Shape 463"/>
+        <p:cNvPr id="1" name="Shape 493"/>
         <p:cNvGrpSpPr/>
         <p:nvPr/>
       </p:nvGrpSpPr>
@@ -9414,7 +6783,13 @@
       </p:grpSpPr>
       <p:sp>
         <p:nvSpPr>
-          <p:cNvPr id="464" name="Google Shape;464;p29"/>
+          <p:cNvPr id="9" name="Google Shape;470;p30">
+            <a:extLst>
+              <a:ext uri="{FF2B5EF4-FFF2-40B4-BE49-F238E27FC236}">
+                <a16:creationId xmlns:a16="http://schemas.microsoft.com/office/drawing/2014/main" id="{A82C49B2-C50E-4405-9CF7-28F5D9019F29}"/>
+              </a:ext>
+            </a:extLst>
+          </p:cNvPr>
           <p:cNvSpPr txBox="1">
             <a:spLocks noGrp="1"/>
           </p:cNvSpPr>
@@ -9424,8 +6799,8 @@
         </p:nvSpPr>
         <p:spPr>
           <a:xfrm>
-            <a:off x="720000" y="1325870"/>
-            <a:ext cx="10752000" cy="1188400"/>
+            <a:off x="1" y="2880799"/>
+            <a:ext cx="12192000" cy="1096400"/>
           </a:xfrm>
           <a:prstGeom prst="rect">
             <a:avLst/>
@@ -9439,7 +6814,7 @@
           <a:p>
             <a:pPr algn="ctr"/>
             <a:r>
-              <a:rPr lang="en" sz="6000" b="1" dirty="0">
+              <a:rPr lang="en" sz="4800" b="1" dirty="0">
                 <a:solidFill>
                   <a:schemeClr val="tx2">
                     <a:lumMod val="75000"/>
@@ -9447,9 +6822,9 @@
                 </a:solidFill>
                 <a:latin typeface="Josefin Sans" pitchFamily="2" charset="0"/>
               </a:rPr>
-              <a:t>Meet the team</a:t>
+              <a:t>The idea of the project</a:t>
             </a:r>
-            <a:endParaRPr sz="6000" b="1" dirty="0">
+            <a:endParaRPr sz="4800" b="1" dirty="0">
               <a:solidFill>
                 <a:schemeClr val="tx2">
                   <a:lumMod val="75000"/>
@@ -9460,43 +6835,12 @@
           </a:p>
         </p:txBody>
       </p:sp>
-      <p:sp>
-        <p:nvSpPr>
-          <p:cNvPr id="2" name="TextBox 1">
-            <a:extLst>
-              <a:ext uri="{FF2B5EF4-FFF2-40B4-BE49-F238E27FC236}">
-                <a16:creationId xmlns:a16="http://schemas.microsoft.com/office/drawing/2014/main" id="{E377912E-CD7E-9696-021A-9516A8FBB5BD}"/>
-              </a:ext>
-            </a:extLst>
-          </p:cNvPr>
-          <p:cNvSpPr txBox="1"/>
-          <p:nvPr/>
-        </p:nvSpPr>
-        <p:spPr>
-          <a:xfrm>
-            <a:off x="1375872" y="3882066"/>
-            <a:ext cx="5118931" cy="461665"/>
-          </a:xfrm>
-          <a:prstGeom prst="rect">
-            <a:avLst/>
-          </a:prstGeom>
-          <a:noFill/>
-        </p:spPr>
-        <p:txBody>
-          <a:bodyPr wrap="square" rtlCol="0">
-            <a:spAutoFit/>
-          </a:bodyPr>
-          <a:lstStyle/>
-          <a:p>
-            <a:r>
-              <a:rPr lang="en-US" sz="2400" b="1" dirty="0"/>
-              <a:t>Georgi Tabanov – back-end developer</a:t>
-            </a:r>
-            <a:endParaRPr lang="en-150" sz="2400" b="1" dirty="0"/>
-          </a:p>
-        </p:txBody>
-      </p:sp>
     </p:spTree>
+    <p:extLst>
+      <p:ext uri="{BB962C8B-B14F-4D97-AF65-F5344CB8AC3E}">
+        <p14:creationId xmlns:p14="http://schemas.microsoft.com/office/powerpoint/2010/main" val="1839255280"/>
+      </p:ext>
+    </p:extLst>
   </p:cSld>
   <p:clrMapOvr>
     <a:masterClrMapping/>
@@ -9517,137 +6861,6 @@
 </file>
 
 <file path=ppt/slides/slide3.xml><?xml version="1.0" encoding="utf-8"?>
-<p:sld xmlns:a="http://schemas.openxmlformats.org/drawingml/2006/main" xmlns:r="http://schemas.openxmlformats.org/officeDocument/2006/relationships" xmlns:p="http://schemas.openxmlformats.org/presentationml/2006/main">
-  <p:cSld>
-    <p:spTree>
-      <p:nvGrpSpPr>
-        <p:cNvPr id="1" name="Shape 469"/>
-        <p:cNvGrpSpPr/>
-        <p:nvPr/>
-      </p:nvGrpSpPr>
-      <p:grpSpPr>
-        <a:xfrm>
-          <a:off x="0" y="0"/>
-          <a:ext cx="0" cy="0"/>
-          <a:chOff x="0" y="0"/>
-          <a:chExt cx="0" cy="0"/>
-        </a:xfrm>
-      </p:grpSpPr>
-      <p:sp>
-        <p:nvSpPr>
-          <p:cNvPr id="470" name="Google Shape;470;p30"/>
-          <p:cNvSpPr txBox="1">
-            <a:spLocks noGrp="1"/>
-          </p:cNvSpPr>
-          <p:nvPr>
-            <p:ph type="title"/>
-          </p:nvPr>
-        </p:nvSpPr>
-        <p:spPr>
-          <a:xfrm>
-            <a:off x="249015" y="2880799"/>
-            <a:ext cx="7505097" cy="1096400"/>
-          </a:xfrm>
-          <a:prstGeom prst="rect">
-            <a:avLst/>
-          </a:prstGeom>
-        </p:spPr>
-        <p:txBody>
-          <a:bodyPr spcFirstLastPara="1" vert="horz" wrap="square" lIns="121900" tIns="121900" rIns="121900" bIns="121900" rtlCol="0" anchor="ctr" anchorCtr="0">
-            <a:noAutofit/>
-          </a:bodyPr>
-          <a:lstStyle/>
-          <a:p>
-            <a:r>
-              <a:rPr lang="en" sz="4800" b="1" dirty="0">
-                <a:solidFill>
-                  <a:schemeClr val="tx2">
-                    <a:lumMod val="75000"/>
-                  </a:schemeClr>
-                </a:solidFill>
-                <a:latin typeface="Josefin Sans" pitchFamily="2" charset="0"/>
-              </a:rPr>
-              <a:t>The idea of the project</a:t>
-            </a:r>
-            <a:endParaRPr sz="4800" b="1" dirty="0">
-              <a:solidFill>
-                <a:schemeClr val="tx2">
-                  <a:lumMod val="75000"/>
-                </a:schemeClr>
-              </a:solidFill>
-              <a:latin typeface="Josefin Sans" pitchFamily="2" charset="0"/>
-            </a:endParaRPr>
-          </a:p>
-        </p:txBody>
-      </p:sp>
-      <p:pic>
-        <p:nvPicPr>
-          <p:cNvPr id="1028" name="Picture 4">
-            <a:extLst>
-              <a:ext uri="{FF2B5EF4-FFF2-40B4-BE49-F238E27FC236}">
-                <a16:creationId xmlns:a16="http://schemas.microsoft.com/office/drawing/2014/main" id="{4E87FDF1-DA33-F060-847B-C1CD295401FF}"/>
-              </a:ext>
-            </a:extLst>
-          </p:cNvPr>
-          <p:cNvPicPr>
-            <a:picLocks noChangeAspect="1" noChangeArrowheads="1"/>
-          </p:cNvPicPr>
-          <p:nvPr/>
-        </p:nvPicPr>
-        <p:blipFill>
-          <a:blip r:embed="rId3">
-            <a:extLst>
-              <a:ext uri="{28A0092B-C50C-407E-A947-70E740481C1C}">
-                <a14:useLocalDpi xmlns:a14="http://schemas.microsoft.com/office/drawing/2010/main" val="0"/>
-              </a:ext>
-            </a:extLst>
-          </a:blip>
-          <a:srcRect/>
-          <a:stretch>
-            <a:fillRect/>
-          </a:stretch>
-        </p:blipFill>
-        <p:spPr bwMode="auto">
-          <a:xfrm rot="2710405">
-            <a:off x="8112433" y="360939"/>
-            <a:ext cx="6136120" cy="6136120"/>
-          </a:xfrm>
-          <a:prstGeom prst="rect">
-            <a:avLst/>
-          </a:prstGeom>
-          <a:noFill/>
-          <a:extLst>
-            <a:ext uri="{909E8E84-426E-40DD-AFC4-6F175D3DCCD1}">
-              <a14:hiddenFill xmlns:a14="http://schemas.microsoft.com/office/drawing/2010/main">
-                <a:solidFill>
-                  <a:srgbClr val="FFFFFF"/>
-                </a:solidFill>
-              </a14:hiddenFill>
-            </a:ext>
-          </a:extLst>
-        </p:spPr>
-      </p:pic>
-    </p:spTree>
-  </p:cSld>
-  <p:clrMapOvr>
-    <a:masterClrMapping/>
-  </p:clrMapOvr>
-  <mc:AlternateContent xmlns:mc="http://schemas.openxmlformats.org/markup-compatibility/2006" xmlns:p14="http://schemas.microsoft.com/office/powerpoint/2010/main">
-    <mc:Choice Requires="p14">
-      <p:transition spd="slow" p14:dur="1400">
-        <p14:doors dir="vert"/>
-      </p:transition>
-    </mc:Choice>
-    <mc:Fallback xmlns="">
-      <p:transition spd="slow">
-        <p:fade/>
-      </p:transition>
-    </mc:Fallback>
-  </mc:AlternateContent>
-</p:sld>
-</file>
-
-<file path=ppt/slides/slide4.xml><?xml version="1.0" encoding="utf-8"?>
 <p:sld xmlns:a="http://schemas.openxmlformats.org/drawingml/2006/main" xmlns:r="http://schemas.openxmlformats.org/officeDocument/2006/relationships" xmlns:p="http://schemas.openxmlformats.org/presentationml/2006/main">
   <p:cSld>
     <p:spTree>
@@ -9907,7 +7120,7 @@
 </p:sld>
 </file>
 
-<file path=ppt/slides/slide5.xml><?xml version="1.0" encoding="utf-8"?>
+<file path=ppt/slides/slide4.xml><?xml version="1.0" encoding="utf-8"?>
 <p:sld xmlns:a="http://schemas.openxmlformats.org/drawingml/2006/main" xmlns:r="http://schemas.openxmlformats.org/officeDocument/2006/relationships" xmlns:p="http://schemas.openxmlformats.org/presentationml/2006/main">
   <p:cSld>
     <p:spTree>
@@ -9973,96 +7186,6 @@
         </p:txBody>
       </p:sp>
     </p:spTree>
-  </p:cSld>
-  <p:clrMapOvr>
-    <a:masterClrMapping/>
-  </p:clrMapOvr>
-  <mc:AlternateContent xmlns:mc="http://schemas.openxmlformats.org/markup-compatibility/2006" xmlns:p14="http://schemas.microsoft.com/office/powerpoint/2010/main">
-    <mc:Choice Requires="p14">
-      <p:transition spd="slow" p14:dur="1400">
-        <p14:doors dir="vert"/>
-      </p:transition>
-    </mc:Choice>
-    <mc:Fallback xmlns="">
-      <p:transition spd="slow">
-        <p:fade/>
-      </p:transition>
-    </mc:Fallback>
-  </mc:AlternateContent>
-</p:sld>
-</file>
-
-<file path=ppt/slides/slide6.xml><?xml version="1.0" encoding="utf-8"?>
-<p:sld xmlns:a="http://schemas.openxmlformats.org/drawingml/2006/main" xmlns:r="http://schemas.openxmlformats.org/officeDocument/2006/relationships" xmlns:p="http://schemas.openxmlformats.org/presentationml/2006/main">
-  <p:cSld>
-    <p:spTree>
-      <p:nvGrpSpPr>
-        <p:cNvPr id="1" name="Shape 504"/>
-        <p:cNvGrpSpPr/>
-        <p:nvPr/>
-      </p:nvGrpSpPr>
-      <p:grpSpPr>
-        <a:xfrm>
-          <a:off x="0" y="0"/>
-          <a:ext cx="0" cy="0"/>
-          <a:chOff x="0" y="0"/>
-          <a:chExt cx="0" cy="0"/>
-        </a:xfrm>
-      </p:grpSpPr>
-      <p:sp>
-        <p:nvSpPr>
-          <p:cNvPr id="505" name="Google Shape;505;p33"/>
-          <p:cNvSpPr txBox="1">
-            <a:spLocks noGrp="1"/>
-          </p:cNvSpPr>
-          <p:nvPr>
-            <p:ph type="title"/>
-          </p:nvPr>
-        </p:nvSpPr>
-        <p:spPr>
-          <a:xfrm>
-            <a:off x="303276" y="2117590"/>
-            <a:ext cx="11585448" cy="2897140"/>
-          </a:xfrm>
-          <a:prstGeom prst="rect">
-            <a:avLst/>
-          </a:prstGeom>
-        </p:spPr>
-        <p:txBody>
-          <a:bodyPr spcFirstLastPara="1" vert="horz" wrap="square" lIns="121900" tIns="121900" rIns="121900" bIns="121900" rtlCol="0" anchor="ctr" anchorCtr="0">
-            <a:noAutofit/>
-          </a:bodyPr>
-          <a:lstStyle/>
-          <a:p>
-            <a:pPr algn="ctr"/>
-            <a:r>
-              <a:rPr lang="en" sz="6600" b="1" dirty="0">
-                <a:solidFill>
-                  <a:schemeClr val="tx2">
-                    <a:lumMod val="75000"/>
-                  </a:schemeClr>
-                </a:solidFill>
-                <a:latin typeface="Josefin Sans" pitchFamily="2" charset="0"/>
-              </a:rPr>
-              <a:t>Thank you for your attention!</a:t>
-            </a:r>
-            <a:endParaRPr sz="6600" b="1" dirty="0">
-              <a:solidFill>
-                <a:schemeClr val="tx2">
-                  <a:lumMod val="75000"/>
-                </a:schemeClr>
-              </a:solidFill>
-              <a:latin typeface="Josefin Sans" pitchFamily="2" charset="0"/>
-            </a:endParaRPr>
-          </a:p>
-        </p:txBody>
-      </p:sp>
-    </p:spTree>
-    <p:extLst>
-      <p:ext uri="{BB962C8B-B14F-4D97-AF65-F5344CB8AC3E}">
-        <p14:creationId xmlns:p14="http://schemas.microsoft.com/office/powerpoint/2010/main" val="2878225783"/>
-      </p:ext>
-    </p:extLst>
   </p:cSld>
   <p:clrMapOvr>
     <a:masterClrMapping/>

--- a/Documentation/Presentation.pptx
+++ b/Documentation/Presentation.pptx
@@ -6731,7 +6731,7 @@
                 </a:solidFill>
                 <a:latin typeface="Josefin Sans" pitchFamily="2" charset="0"/>
               </a:rPr>
-              <a:t>Web Scraping Project</a:t>
+              <a:t>Web Scraper Project</a:t>
             </a:r>
             <a:endParaRPr sz="8000" b="1" dirty="0">
               <a:solidFill>
@@ -6814,7 +6814,7 @@
           <a:p>
             <a:pPr algn="ctr"/>
             <a:r>
-              <a:rPr lang="en" sz="4800" b="1" dirty="0">
+              <a:rPr lang="en" sz="6600" b="1" dirty="0">
                 <a:solidFill>
                   <a:schemeClr val="tx2">
                     <a:lumMod val="75000"/>
@@ -6822,9 +6822,9 @@
                 </a:solidFill>
                 <a:latin typeface="Josefin Sans" pitchFamily="2" charset="0"/>
               </a:rPr>
-              <a:t>The idea of the project</a:t>
+              <a:t>Idea of the project</a:t>
             </a:r>
-            <a:endParaRPr sz="4800" b="1" dirty="0">
+            <a:endParaRPr sz="6600" b="1" dirty="0">
               <a:solidFill>
                 <a:schemeClr val="tx2">
                   <a:lumMod val="75000"/>
@@ -6904,7 +6904,7 @@
           <a:p>
             <a:pPr algn="ctr"/>
             <a:r>
-              <a:rPr lang="en" sz="4667" b="1" dirty="0">
+              <a:rPr lang="en" sz="6600" b="1" dirty="0">
                 <a:solidFill>
                   <a:schemeClr val="tx2">
                     <a:lumMod val="75000"/>
@@ -6914,7 +6914,7 @@
               </a:rPr>
               <a:t>Technologies</a:t>
             </a:r>
-            <a:endParaRPr sz="4667" b="1" dirty="0">
+            <a:endParaRPr sz="6600" b="1" dirty="0">
               <a:solidFill>
                 <a:schemeClr val="tx2">
                   <a:lumMod val="75000"/>
